--- a/seminar/図.pptx
+++ b/seminar/図.pptx
@@ -6,6 +6,7 @@
   </p:sldMasterIdLst>
   <p:sldIdLst>
     <p:sldId id="256" r:id="rId2"/>
+    <p:sldId id="257" r:id="rId3"/>
   </p:sldIdLst>
   <p:sldSz cx="12192000" cy="6858000"/>
   <p:notesSz cx="6858000" cy="9144000"/>
@@ -259,7 +260,7 @@
           <a:p>
             <a:fld id="{E49B012F-45BF-4C9A-ACD6-E7FE5E3F7EB0}" type="datetimeFigureOut">
               <a:rPr kumimoji="1" lang="ja-JP" altLang="en-US" smtClean="0"/>
-              <a:t>2025/12/3</a:t>
+              <a:t>2025/12/8</a:t>
             </a:fld>
             <a:endParaRPr kumimoji="1" lang="ja-JP" altLang="en-US"/>
           </a:p>
@@ -489,7 +490,7 @@
           <a:p>
             <a:fld id="{E49B012F-45BF-4C9A-ACD6-E7FE5E3F7EB0}" type="datetimeFigureOut">
               <a:rPr kumimoji="1" lang="ja-JP" altLang="en-US" smtClean="0"/>
-              <a:t>2025/12/3</a:t>
+              <a:t>2025/12/8</a:t>
             </a:fld>
             <a:endParaRPr kumimoji="1" lang="ja-JP" altLang="en-US"/>
           </a:p>
@@ -729,7 +730,7 @@
           <a:p>
             <a:fld id="{E49B012F-45BF-4C9A-ACD6-E7FE5E3F7EB0}" type="datetimeFigureOut">
               <a:rPr kumimoji="1" lang="ja-JP" altLang="en-US" smtClean="0"/>
-              <a:t>2025/12/3</a:t>
+              <a:t>2025/12/8</a:t>
             </a:fld>
             <a:endParaRPr kumimoji="1" lang="ja-JP" altLang="en-US"/>
           </a:p>
@@ -959,7 +960,7 @@
           <a:p>
             <a:fld id="{E49B012F-45BF-4C9A-ACD6-E7FE5E3F7EB0}" type="datetimeFigureOut">
               <a:rPr kumimoji="1" lang="ja-JP" altLang="en-US" smtClean="0"/>
-              <a:t>2025/12/3</a:t>
+              <a:t>2025/12/8</a:t>
             </a:fld>
             <a:endParaRPr kumimoji="1" lang="ja-JP" altLang="en-US"/>
           </a:p>
@@ -1234,7 +1235,7 @@
           <a:p>
             <a:fld id="{E49B012F-45BF-4C9A-ACD6-E7FE5E3F7EB0}" type="datetimeFigureOut">
               <a:rPr kumimoji="1" lang="ja-JP" altLang="en-US" smtClean="0"/>
-              <a:t>2025/12/3</a:t>
+              <a:t>2025/12/8</a:t>
             </a:fld>
             <a:endParaRPr kumimoji="1" lang="ja-JP" altLang="en-US"/>
           </a:p>
@@ -1563,7 +1564,7 @@
           <a:p>
             <a:fld id="{E49B012F-45BF-4C9A-ACD6-E7FE5E3F7EB0}" type="datetimeFigureOut">
               <a:rPr kumimoji="1" lang="ja-JP" altLang="en-US" smtClean="0"/>
-              <a:t>2025/12/3</a:t>
+              <a:t>2025/12/8</a:t>
             </a:fld>
             <a:endParaRPr kumimoji="1" lang="ja-JP" altLang="en-US"/>
           </a:p>
@@ -2039,7 +2040,7 @@
           <a:p>
             <a:fld id="{E49B012F-45BF-4C9A-ACD6-E7FE5E3F7EB0}" type="datetimeFigureOut">
               <a:rPr kumimoji="1" lang="ja-JP" altLang="en-US" smtClean="0"/>
-              <a:t>2025/12/3</a:t>
+              <a:t>2025/12/8</a:t>
             </a:fld>
             <a:endParaRPr kumimoji="1" lang="ja-JP" altLang="en-US"/>
           </a:p>
@@ -2180,7 +2181,7 @@
           <a:p>
             <a:fld id="{E49B012F-45BF-4C9A-ACD6-E7FE5E3F7EB0}" type="datetimeFigureOut">
               <a:rPr kumimoji="1" lang="ja-JP" altLang="en-US" smtClean="0"/>
-              <a:t>2025/12/3</a:t>
+              <a:t>2025/12/8</a:t>
             </a:fld>
             <a:endParaRPr kumimoji="1" lang="ja-JP" altLang="en-US"/>
           </a:p>
@@ -2293,7 +2294,7 @@
           <a:p>
             <a:fld id="{E49B012F-45BF-4C9A-ACD6-E7FE5E3F7EB0}" type="datetimeFigureOut">
               <a:rPr kumimoji="1" lang="ja-JP" altLang="en-US" smtClean="0"/>
-              <a:t>2025/12/3</a:t>
+              <a:t>2025/12/8</a:t>
             </a:fld>
             <a:endParaRPr kumimoji="1" lang="ja-JP" altLang="en-US"/>
           </a:p>
@@ -2636,7 +2637,7 @@
           <a:p>
             <a:fld id="{E49B012F-45BF-4C9A-ACD6-E7FE5E3F7EB0}" type="datetimeFigureOut">
               <a:rPr kumimoji="1" lang="ja-JP" altLang="en-US" smtClean="0"/>
-              <a:t>2025/12/3</a:t>
+              <a:t>2025/12/8</a:t>
             </a:fld>
             <a:endParaRPr kumimoji="1" lang="ja-JP" altLang="en-US"/>
           </a:p>
@@ -2924,7 +2925,7 @@
           <a:p>
             <a:fld id="{E49B012F-45BF-4C9A-ACD6-E7FE5E3F7EB0}" type="datetimeFigureOut">
               <a:rPr kumimoji="1" lang="ja-JP" altLang="en-US" smtClean="0"/>
-              <a:t>2025/12/3</a:t>
+              <a:t>2025/12/8</a:t>
             </a:fld>
             <a:endParaRPr kumimoji="1" lang="ja-JP" altLang="en-US"/>
           </a:p>
@@ -3197,7 +3198,7 @@
           <a:p>
             <a:fld id="{E49B012F-45BF-4C9A-ACD6-E7FE5E3F7EB0}" type="datetimeFigureOut">
               <a:rPr kumimoji="1" lang="ja-JP" altLang="en-US" smtClean="0"/>
-              <a:t>2025/12/3</a:t>
+              <a:t>2025/12/8</a:t>
             </a:fld>
             <a:endParaRPr kumimoji="1" lang="ja-JP" altLang="en-US"/>
           </a:p>
@@ -4411,8 +4412,8 @@
             </a:p>
           </p:txBody>
         </p:sp>
-        <mc:AlternateContent xmlns:mc="http://schemas.openxmlformats.org/markup-compatibility/2006">
-          <mc:Choice xmlns:a14="http://schemas.microsoft.com/office/drawing/2010/main" Requires="a14">
+        <mc:AlternateContent xmlns:mc="http://schemas.openxmlformats.org/markup-compatibility/2006" xmlns:a14="http://schemas.microsoft.com/office/drawing/2010/main">
+          <mc:Choice Requires="a14">
             <p:sp>
               <p:nvSpPr>
                 <p:cNvPr id="46" name="テキスト ボックス 45">
@@ -4481,7 +4482,7 @@
               </p:txBody>
             </p:sp>
           </mc:Choice>
-          <mc:Fallback>
+          <mc:Fallback xmlns="">
             <p:sp>
               <p:nvSpPr>
                 <p:cNvPr id="46" name="テキスト ボックス 45">
@@ -5196,8 +5197,8 @@
             </a:fontRef>
           </p:style>
         </p:cxnSp>
-        <mc:AlternateContent xmlns:mc="http://schemas.openxmlformats.org/markup-compatibility/2006">
-          <mc:Choice xmlns:a14="http://schemas.microsoft.com/office/drawing/2010/main" Requires="a14">
+        <mc:AlternateContent xmlns:mc="http://schemas.openxmlformats.org/markup-compatibility/2006" xmlns:a14="http://schemas.microsoft.com/office/drawing/2010/main">
+          <mc:Choice Requires="a14">
             <p:sp>
               <p:nvSpPr>
                 <p:cNvPr id="64" name="テキスト ボックス 63">
@@ -5247,7 +5248,7 @@
               </p:txBody>
             </p:sp>
           </mc:Choice>
-          <mc:Fallback>
+          <mc:Fallback xmlns="">
             <p:sp>
               <p:nvSpPr>
                 <p:cNvPr id="64" name="テキスト ボックス 63">
@@ -6625,8 +6626,8 @@
           </a:p>
         </p:txBody>
       </p:sp>
-      <mc:AlternateContent xmlns:mc="http://schemas.openxmlformats.org/markup-compatibility/2006">
-        <mc:Choice xmlns:a14="http://schemas.microsoft.com/office/drawing/2010/main" Requires="a14">
+      <mc:AlternateContent xmlns:mc="http://schemas.openxmlformats.org/markup-compatibility/2006" xmlns:a14="http://schemas.microsoft.com/office/drawing/2010/main">
+        <mc:Choice Requires="a14">
           <p:sp>
             <p:nvSpPr>
               <p:cNvPr id="71" name="テキスト ボックス 70">
@@ -6930,7 +6931,7 @@
             </p:txBody>
           </p:sp>
         </mc:Choice>
-        <mc:Fallback>
+        <mc:Fallback xmlns="">
           <p:sp>
             <p:nvSpPr>
               <p:cNvPr id="71" name="テキスト ボックス 70">
@@ -7053,6 +7054,3477 @@
     <p:extLst>
       <p:ext uri="{BB962C8B-B14F-4D97-AF65-F5344CB8AC3E}">
         <p14:creationId xmlns:p14="http://schemas.microsoft.com/office/powerpoint/2010/main" val="2224032371"/>
+      </p:ext>
+    </p:extLst>
+  </p:cSld>
+  <p:clrMapOvr>
+    <a:masterClrMapping/>
+  </p:clrMapOvr>
+</p:sld>
+</file>
+
+<file path=ppt/slides/slide2.xml><?xml version="1.0" encoding="utf-8"?>
+<p:sld xmlns:a="http://schemas.openxmlformats.org/drawingml/2006/main" xmlns:r="http://schemas.openxmlformats.org/officeDocument/2006/relationships" xmlns:p="http://schemas.openxmlformats.org/presentationml/2006/main">
+  <p:cSld>
+    <p:spTree>
+      <p:nvGrpSpPr>
+        <p:cNvPr id="1" name="">
+          <a:extLst>
+            <a:ext uri="{FF2B5EF4-FFF2-40B4-BE49-F238E27FC236}">
+              <a16:creationId xmlns:a16="http://schemas.microsoft.com/office/drawing/2014/main" id="{6588A1C4-0C72-12AC-8A0F-9FCE5E0996A7}"/>
+            </a:ext>
+          </a:extLst>
+        </p:cNvPr>
+        <p:cNvGrpSpPr/>
+        <p:nvPr/>
+      </p:nvGrpSpPr>
+      <p:grpSpPr>
+        <a:xfrm>
+          <a:off x="0" y="0"/>
+          <a:ext cx="0" cy="0"/>
+          <a:chOff x="0" y="0"/>
+          <a:chExt cx="0" cy="0"/>
+        </a:xfrm>
+      </p:grpSpPr>
+      <p:cxnSp>
+        <p:nvCxnSpPr>
+          <p:cNvPr id="5" name="直線コネクタ 4">
+            <a:extLst>
+              <a:ext uri="{FF2B5EF4-FFF2-40B4-BE49-F238E27FC236}">
+                <a16:creationId xmlns:a16="http://schemas.microsoft.com/office/drawing/2014/main" id="{823808DC-1763-DFB3-98B7-B4361AA7A283}"/>
+              </a:ext>
+            </a:extLst>
+          </p:cNvPr>
+          <p:cNvCxnSpPr>
+            <a:cxnSpLocks/>
+          </p:cNvCxnSpPr>
+          <p:nvPr/>
+        </p:nvCxnSpPr>
+        <p:spPr>
+          <a:xfrm>
+            <a:off x="560128" y="3384827"/>
+            <a:ext cx="11093989" cy="0"/>
+          </a:xfrm>
+          <a:prstGeom prst="line">
+            <a:avLst/>
+          </a:prstGeom>
+        </p:spPr>
+        <p:style>
+          <a:lnRef idx="2">
+            <a:schemeClr val="dk1"/>
+          </a:lnRef>
+          <a:fillRef idx="0">
+            <a:schemeClr val="dk1"/>
+          </a:fillRef>
+          <a:effectRef idx="1">
+            <a:schemeClr val="dk1"/>
+          </a:effectRef>
+          <a:fontRef idx="minor">
+            <a:schemeClr val="tx1"/>
+          </a:fontRef>
+        </p:style>
+      </p:cxnSp>
+      <p:cxnSp>
+        <p:nvCxnSpPr>
+          <p:cNvPr id="6" name="直線コネクタ 5">
+            <a:extLst>
+              <a:ext uri="{FF2B5EF4-FFF2-40B4-BE49-F238E27FC236}">
+                <a16:creationId xmlns:a16="http://schemas.microsoft.com/office/drawing/2014/main" id="{39D2DEC2-B94A-B75D-FEBC-31198DF4B2EE}"/>
+              </a:ext>
+            </a:extLst>
+          </p:cNvPr>
+          <p:cNvCxnSpPr>
+            <a:cxnSpLocks/>
+          </p:cNvCxnSpPr>
+          <p:nvPr/>
+        </p:nvCxnSpPr>
+        <p:spPr>
+          <a:xfrm>
+            <a:off x="560128" y="4217193"/>
+            <a:ext cx="11093990" cy="0"/>
+          </a:xfrm>
+          <a:prstGeom prst="line">
+            <a:avLst/>
+          </a:prstGeom>
+        </p:spPr>
+        <p:style>
+          <a:lnRef idx="2">
+            <a:schemeClr val="dk1"/>
+          </a:lnRef>
+          <a:fillRef idx="0">
+            <a:schemeClr val="dk1"/>
+          </a:fillRef>
+          <a:effectRef idx="1">
+            <a:schemeClr val="dk1"/>
+          </a:effectRef>
+          <a:fontRef idx="minor">
+            <a:schemeClr val="tx1"/>
+          </a:fontRef>
+        </p:style>
+      </p:cxnSp>
+      <p:cxnSp>
+        <p:nvCxnSpPr>
+          <p:cNvPr id="7" name="直線コネクタ 6">
+            <a:extLst>
+              <a:ext uri="{FF2B5EF4-FFF2-40B4-BE49-F238E27FC236}">
+                <a16:creationId xmlns:a16="http://schemas.microsoft.com/office/drawing/2014/main" id="{1A4566B4-C7A7-8E8A-E3A5-741C6F50DE12}"/>
+              </a:ext>
+            </a:extLst>
+          </p:cNvPr>
+          <p:cNvCxnSpPr>
+            <a:cxnSpLocks/>
+          </p:cNvCxnSpPr>
+          <p:nvPr/>
+        </p:nvCxnSpPr>
+        <p:spPr>
+          <a:xfrm>
+            <a:off x="9631105" y="3300122"/>
+            <a:ext cx="1579539" cy="1059728"/>
+          </a:xfrm>
+          <a:prstGeom prst="line">
+            <a:avLst/>
+          </a:prstGeom>
+        </p:spPr>
+        <p:style>
+          <a:lnRef idx="2">
+            <a:schemeClr val="dk1"/>
+          </a:lnRef>
+          <a:fillRef idx="0">
+            <a:schemeClr val="dk1"/>
+          </a:fillRef>
+          <a:effectRef idx="1">
+            <a:schemeClr val="dk1"/>
+          </a:effectRef>
+          <a:fontRef idx="minor">
+            <a:schemeClr val="tx1"/>
+          </a:fontRef>
+        </p:style>
+      </p:cxnSp>
+      <p:cxnSp>
+        <p:nvCxnSpPr>
+          <p:cNvPr id="9" name="直線コネクタ 8">
+            <a:extLst>
+              <a:ext uri="{FF2B5EF4-FFF2-40B4-BE49-F238E27FC236}">
+                <a16:creationId xmlns:a16="http://schemas.microsoft.com/office/drawing/2014/main" id="{791A80A9-531F-E6E3-3F01-FDF41292B3ED}"/>
+              </a:ext>
+            </a:extLst>
+          </p:cNvPr>
+          <p:cNvCxnSpPr>
+            <a:cxnSpLocks/>
+          </p:cNvCxnSpPr>
+          <p:nvPr/>
+        </p:nvCxnSpPr>
+        <p:spPr>
+          <a:xfrm flipV="1">
+            <a:off x="9631105" y="3300122"/>
+            <a:ext cx="1579539" cy="1059728"/>
+          </a:xfrm>
+          <a:prstGeom prst="line">
+            <a:avLst/>
+          </a:prstGeom>
+        </p:spPr>
+        <p:style>
+          <a:lnRef idx="2">
+            <a:schemeClr val="dk1"/>
+          </a:lnRef>
+          <a:fillRef idx="0">
+            <a:schemeClr val="dk1"/>
+          </a:fillRef>
+          <a:effectRef idx="1">
+            <a:schemeClr val="dk1"/>
+          </a:effectRef>
+          <a:fontRef idx="minor">
+            <a:schemeClr val="tx1"/>
+          </a:fontRef>
+        </p:style>
+      </p:cxnSp>
+      <p:cxnSp>
+        <p:nvCxnSpPr>
+          <p:cNvPr id="12" name="直線コネクタ 11">
+            <a:extLst>
+              <a:ext uri="{FF2B5EF4-FFF2-40B4-BE49-F238E27FC236}">
+                <a16:creationId xmlns:a16="http://schemas.microsoft.com/office/drawing/2014/main" id="{8F98196A-18DA-1261-31D9-655BB8150665}"/>
+              </a:ext>
+            </a:extLst>
+          </p:cNvPr>
+          <p:cNvCxnSpPr>
+            <a:cxnSpLocks/>
+          </p:cNvCxnSpPr>
+          <p:nvPr/>
+        </p:nvCxnSpPr>
+        <p:spPr>
+          <a:xfrm flipV="1">
+            <a:off x="9631105" y="3300122"/>
+            <a:ext cx="0" cy="1059728"/>
+          </a:xfrm>
+          <a:prstGeom prst="line">
+            <a:avLst/>
+          </a:prstGeom>
+        </p:spPr>
+        <p:style>
+          <a:lnRef idx="2">
+            <a:schemeClr val="dk1"/>
+          </a:lnRef>
+          <a:fillRef idx="0">
+            <a:schemeClr val="dk1"/>
+          </a:fillRef>
+          <a:effectRef idx="1">
+            <a:schemeClr val="dk1"/>
+          </a:effectRef>
+          <a:fontRef idx="minor">
+            <a:schemeClr val="tx1"/>
+          </a:fontRef>
+        </p:style>
+      </p:cxnSp>
+      <p:cxnSp>
+        <p:nvCxnSpPr>
+          <p:cNvPr id="16" name="直線コネクタ 15">
+            <a:extLst>
+              <a:ext uri="{FF2B5EF4-FFF2-40B4-BE49-F238E27FC236}">
+                <a16:creationId xmlns:a16="http://schemas.microsoft.com/office/drawing/2014/main" id="{2DD34FFD-6295-E31A-AB16-B5F08E4DECF1}"/>
+              </a:ext>
+            </a:extLst>
+          </p:cNvPr>
+          <p:cNvCxnSpPr>
+            <a:cxnSpLocks/>
+          </p:cNvCxnSpPr>
+          <p:nvPr/>
+        </p:nvCxnSpPr>
+        <p:spPr>
+          <a:xfrm flipV="1">
+            <a:off x="11210643" y="3300122"/>
+            <a:ext cx="0" cy="1059728"/>
+          </a:xfrm>
+          <a:prstGeom prst="line">
+            <a:avLst/>
+          </a:prstGeom>
+        </p:spPr>
+        <p:style>
+          <a:lnRef idx="2">
+            <a:schemeClr val="dk1"/>
+          </a:lnRef>
+          <a:fillRef idx="0">
+            <a:schemeClr val="dk1"/>
+          </a:fillRef>
+          <a:effectRef idx="1">
+            <a:schemeClr val="dk1"/>
+          </a:effectRef>
+          <a:fontRef idx="minor">
+            <a:schemeClr val="tx1"/>
+          </a:fontRef>
+        </p:style>
+      </p:cxnSp>
+      <p:cxnSp>
+        <p:nvCxnSpPr>
+          <p:cNvPr id="18" name="直線コネクタ 17">
+            <a:extLst>
+              <a:ext uri="{FF2B5EF4-FFF2-40B4-BE49-F238E27FC236}">
+                <a16:creationId xmlns:a16="http://schemas.microsoft.com/office/drawing/2014/main" id="{03CB589B-62DE-A954-9063-C6CDD20EC576}"/>
+              </a:ext>
+            </a:extLst>
+          </p:cNvPr>
+          <p:cNvCxnSpPr>
+            <a:cxnSpLocks/>
+          </p:cNvCxnSpPr>
+          <p:nvPr/>
+        </p:nvCxnSpPr>
+        <p:spPr>
+          <a:xfrm>
+            <a:off x="10420875" y="3039279"/>
+            <a:ext cx="0" cy="790707"/>
+          </a:xfrm>
+          <a:prstGeom prst="line">
+            <a:avLst/>
+          </a:prstGeom>
+        </p:spPr>
+        <p:style>
+          <a:lnRef idx="2">
+            <a:schemeClr val="dk1"/>
+          </a:lnRef>
+          <a:fillRef idx="0">
+            <a:schemeClr val="dk1"/>
+          </a:fillRef>
+          <a:effectRef idx="1">
+            <a:schemeClr val="dk1"/>
+          </a:effectRef>
+          <a:fontRef idx="minor">
+            <a:schemeClr val="tx1"/>
+          </a:fontRef>
+        </p:style>
+      </p:cxnSp>
+      <p:cxnSp>
+        <p:nvCxnSpPr>
+          <p:cNvPr id="21" name="直線コネクタ 20">
+            <a:extLst>
+              <a:ext uri="{FF2B5EF4-FFF2-40B4-BE49-F238E27FC236}">
+                <a16:creationId xmlns:a16="http://schemas.microsoft.com/office/drawing/2014/main" id="{7E330829-D0D6-BF17-F1F8-1223B39923DB}"/>
+              </a:ext>
+            </a:extLst>
+          </p:cNvPr>
+          <p:cNvCxnSpPr>
+            <a:cxnSpLocks/>
+          </p:cNvCxnSpPr>
+          <p:nvPr/>
+        </p:nvCxnSpPr>
+        <p:spPr>
+          <a:xfrm>
+            <a:off x="10119001" y="3039279"/>
+            <a:ext cx="603746" cy="0"/>
+          </a:xfrm>
+          <a:prstGeom prst="line">
+            <a:avLst/>
+          </a:prstGeom>
+        </p:spPr>
+        <p:style>
+          <a:lnRef idx="2">
+            <a:schemeClr val="dk1"/>
+          </a:lnRef>
+          <a:fillRef idx="0">
+            <a:schemeClr val="dk1"/>
+          </a:fillRef>
+          <a:effectRef idx="1">
+            <a:schemeClr val="dk1"/>
+          </a:effectRef>
+          <a:fontRef idx="minor">
+            <a:schemeClr val="tx1"/>
+          </a:fontRef>
+        </p:style>
+      </p:cxnSp>
+      <p:sp>
+        <p:nvSpPr>
+          <p:cNvPr id="24" name="正方形/長方形 23">
+            <a:extLst>
+              <a:ext uri="{FF2B5EF4-FFF2-40B4-BE49-F238E27FC236}">
+                <a16:creationId xmlns:a16="http://schemas.microsoft.com/office/drawing/2014/main" id="{57ADBC40-DDF6-5EFB-4947-866C715EB48B}"/>
+              </a:ext>
+            </a:extLst>
+          </p:cNvPr>
+          <p:cNvSpPr/>
+          <p:nvPr/>
+        </p:nvSpPr>
+        <p:spPr>
+          <a:xfrm>
+            <a:off x="2954388" y="3704508"/>
+            <a:ext cx="735133" cy="212666"/>
+          </a:xfrm>
+          <a:prstGeom prst="rect">
+            <a:avLst/>
+          </a:prstGeom>
+          <a:noFill/>
+          <a:ln>
+            <a:solidFill>
+              <a:schemeClr val="tx1"/>
+            </a:solidFill>
+          </a:ln>
+        </p:spPr>
+        <p:style>
+          <a:lnRef idx="2">
+            <a:schemeClr val="accent1">
+              <a:shade val="15000"/>
+            </a:schemeClr>
+          </a:lnRef>
+          <a:fillRef idx="1">
+            <a:schemeClr val="accent1"/>
+          </a:fillRef>
+          <a:effectRef idx="0">
+            <a:schemeClr val="accent1"/>
+          </a:effectRef>
+          <a:fontRef idx="minor">
+            <a:schemeClr val="lt1"/>
+          </a:fontRef>
+        </p:style>
+        <p:txBody>
+          <a:bodyPr rtlCol="0" anchor="ctr"/>
+          <a:lstStyle/>
+          <a:p>
+            <a:pPr algn="ctr"/>
+            <a:endParaRPr kumimoji="1" lang="ja-JP" altLang="en-US"/>
+          </a:p>
+        </p:txBody>
+      </p:sp>
+      <p:sp>
+        <p:nvSpPr>
+          <p:cNvPr id="25" name="四角形: 角を丸くする 24">
+            <a:extLst>
+              <a:ext uri="{FF2B5EF4-FFF2-40B4-BE49-F238E27FC236}">
+                <a16:creationId xmlns:a16="http://schemas.microsoft.com/office/drawing/2014/main" id="{BD64796C-D03B-9CC4-28EC-B1DBBCFC77A1}"/>
+              </a:ext>
+            </a:extLst>
+          </p:cNvPr>
+          <p:cNvSpPr/>
+          <p:nvPr/>
+        </p:nvSpPr>
+        <p:spPr>
+          <a:xfrm>
+            <a:off x="1418360" y="3777227"/>
+            <a:ext cx="182713" cy="57617"/>
+          </a:xfrm>
+          <a:prstGeom prst="roundRect">
+            <a:avLst>
+              <a:gd name="adj" fmla="val 50000"/>
+            </a:avLst>
+          </a:prstGeom>
+          <a:noFill/>
+          <a:ln>
+            <a:solidFill>
+              <a:schemeClr val="tx1"/>
+            </a:solidFill>
+          </a:ln>
+        </p:spPr>
+        <p:style>
+          <a:lnRef idx="2">
+            <a:schemeClr val="accent1">
+              <a:shade val="15000"/>
+            </a:schemeClr>
+          </a:lnRef>
+          <a:fillRef idx="1">
+            <a:schemeClr val="accent1"/>
+          </a:fillRef>
+          <a:effectRef idx="0">
+            <a:schemeClr val="accent1"/>
+          </a:effectRef>
+          <a:fontRef idx="minor">
+            <a:schemeClr val="lt1"/>
+          </a:fontRef>
+        </p:style>
+        <p:txBody>
+          <a:bodyPr rtlCol="0" anchor="ctr"/>
+          <a:lstStyle/>
+          <a:p>
+            <a:pPr algn="ctr"/>
+            <a:endParaRPr kumimoji="1" lang="ja-JP" altLang="en-US"/>
+          </a:p>
+        </p:txBody>
+      </p:sp>
+      <p:cxnSp>
+        <p:nvCxnSpPr>
+          <p:cNvPr id="27" name="直線コネクタ 26">
+            <a:extLst>
+              <a:ext uri="{FF2B5EF4-FFF2-40B4-BE49-F238E27FC236}">
+                <a16:creationId xmlns:a16="http://schemas.microsoft.com/office/drawing/2014/main" id="{F63C6DE3-E0AA-0752-F169-0E80699E2BCC}"/>
+              </a:ext>
+            </a:extLst>
+          </p:cNvPr>
+          <p:cNvCxnSpPr>
+            <a:cxnSpLocks/>
+            <a:stCxn id="25" idx="3"/>
+            <a:endCxn id="24" idx="1"/>
+          </p:cNvCxnSpPr>
+          <p:nvPr/>
+        </p:nvCxnSpPr>
+        <p:spPr>
+          <a:xfrm>
+            <a:off x="1601074" y="3806036"/>
+            <a:ext cx="1353315" cy="4805"/>
+          </a:xfrm>
+          <a:prstGeom prst="line">
+            <a:avLst/>
+          </a:prstGeom>
+          <a:ln w="63500">
+            <a:solidFill>
+              <a:schemeClr val="tx1"/>
+            </a:solidFill>
+          </a:ln>
+        </p:spPr>
+        <p:style>
+          <a:lnRef idx="2">
+            <a:schemeClr val="accent1"/>
+          </a:lnRef>
+          <a:fillRef idx="0">
+            <a:schemeClr val="accent1"/>
+          </a:fillRef>
+          <a:effectRef idx="1">
+            <a:schemeClr val="accent1"/>
+          </a:effectRef>
+          <a:fontRef idx="minor">
+            <a:schemeClr val="tx1"/>
+          </a:fontRef>
+        </p:style>
+      </p:cxnSp>
+      <p:sp>
+        <p:nvSpPr>
+          <p:cNvPr id="28" name="楕円 27">
+            <a:extLst>
+              <a:ext uri="{FF2B5EF4-FFF2-40B4-BE49-F238E27FC236}">
+                <a16:creationId xmlns:a16="http://schemas.microsoft.com/office/drawing/2014/main" id="{F4E260E1-0FED-60EC-DDE3-73289D93D8BC}"/>
+              </a:ext>
+            </a:extLst>
+          </p:cNvPr>
+          <p:cNvSpPr/>
+          <p:nvPr/>
+        </p:nvSpPr>
+        <p:spPr>
+          <a:xfrm>
+            <a:off x="1444569" y="3426880"/>
+            <a:ext cx="65147" cy="350347"/>
+          </a:xfrm>
+          <a:prstGeom prst="ellipse">
+            <a:avLst/>
+          </a:prstGeom>
+          <a:noFill/>
+          <a:ln>
+            <a:solidFill>
+              <a:schemeClr val="tx1"/>
+            </a:solidFill>
+          </a:ln>
+        </p:spPr>
+        <p:style>
+          <a:lnRef idx="2">
+            <a:schemeClr val="accent1">
+              <a:shade val="15000"/>
+            </a:schemeClr>
+          </a:lnRef>
+          <a:fillRef idx="1">
+            <a:schemeClr val="accent1"/>
+          </a:fillRef>
+          <a:effectRef idx="0">
+            <a:schemeClr val="accent1"/>
+          </a:effectRef>
+          <a:fontRef idx="minor">
+            <a:schemeClr val="lt1"/>
+          </a:fontRef>
+        </p:style>
+        <p:txBody>
+          <a:bodyPr rtlCol="0" anchor="ctr"/>
+          <a:lstStyle/>
+          <a:p>
+            <a:pPr algn="ctr"/>
+            <a:endParaRPr kumimoji="1" lang="ja-JP" altLang="en-US"/>
+          </a:p>
+        </p:txBody>
+      </p:sp>
+      <p:sp>
+        <p:nvSpPr>
+          <p:cNvPr id="29" name="楕円 28">
+            <a:extLst>
+              <a:ext uri="{FF2B5EF4-FFF2-40B4-BE49-F238E27FC236}">
+                <a16:creationId xmlns:a16="http://schemas.microsoft.com/office/drawing/2014/main" id="{9DD5AA85-2081-9621-768A-EE45ACEE64A1}"/>
+              </a:ext>
+            </a:extLst>
+          </p:cNvPr>
+          <p:cNvSpPr/>
+          <p:nvPr/>
+        </p:nvSpPr>
+        <p:spPr>
+          <a:xfrm>
+            <a:off x="1444565" y="3835425"/>
+            <a:ext cx="65147" cy="350347"/>
+          </a:xfrm>
+          <a:prstGeom prst="ellipse">
+            <a:avLst/>
+          </a:prstGeom>
+          <a:noFill/>
+          <a:ln>
+            <a:solidFill>
+              <a:schemeClr val="tx1"/>
+            </a:solidFill>
+          </a:ln>
+        </p:spPr>
+        <p:style>
+          <a:lnRef idx="2">
+            <a:schemeClr val="accent1">
+              <a:shade val="15000"/>
+            </a:schemeClr>
+          </a:lnRef>
+          <a:fillRef idx="1">
+            <a:schemeClr val="accent1"/>
+          </a:fillRef>
+          <a:effectRef idx="0">
+            <a:schemeClr val="accent1"/>
+          </a:effectRef>
+          <a:fontRef idx="minor">
+            <a:schemeClr val="lt1"/>
+          </a:fontRef>
+        </p:style>
+        <p:txBody>
+          <a:bodyPr rtlCol="0" anchor="ctr"/>
+          <a:lstStyle/>
+          <a:p>
+            <a:pPr algn="ctr"/>
+            <a:endParaRPr kumimoji="1" lang="ja-JP" altLang="en-US"/>
+          </a:p>
+        </p:txBody>
+      </p:sp>
+      <p:grpSp>
+        <p:nvGrpSpPr>
+          <p:cNvPr id="41" name="グループ化 40">
+            <a:extLst>
+              <a:ext uri="{FF2B5EF4-FFF2-40B4-BE49-F238E27FC236}">
+                <a16:creationId xmlns:a16="http://schemas.microsoft.com/office/drawing/2014/main" id="{99D88D5F-2419-C0AB-AF8F-1B3DF880A1FA}"/>
+              </a:ext>
+            </a:extLst>
+          </p:cNvPr>
+          <p:cNvGrpSpPr/>
+          <p:nvPr/>
+        </p:nvGrpSpPr>
+        <p:grpSpPr>
+          <a:xfrm>
+            <a:off x="878579" y="1183340"/>
+            <a:ext cx="1248034" cy="1513739"/>
+            <a:chOff x="1283002" y="2166613"/>
+            <a:chExt cx="1127913" cy="1377402"/>
+          </a:xfrm>
+        </p:grpSpPr>
+        <p:sp>
+          <p:nvSpPr>
+            <p:cNvPr id="42" name="正方形/長方形 41">
+              <a:extLst>
+                <a:ext uri="{FF2B5EF4-FFF2-40B4-BE49-F238E27FC236}">
+                  <a16:creationId xmlns:a16="http://schemas.microsoft.com/office/drawing/2014/main" id="{643601B5-7CF8-D84D-69F7-DE8E12FE7AF0}"/>
+                </a:ext>
+              </a:extLst>
+            </p:cNvPr>
+            <p:cNvSpPr/>
+            <p:nvPr/>
+          </p:nvSpPr>
+          <p:spPr>
+            <a:xfrm>
+              <a:off x="1283002" y="2987354"/>
+              <a:ext cx="669944" cy="556661"/>
+            </a:xfrm>
+            <a:prstGeom prst="rect">
+              <a:avLst/>
+            </a:prstGeom>
+            <a:solidFill>
+              <a:schemeClr val="tx1"/>
+            </a:solidFill>
+            <a:ln>
+              <a:solidFill>
+                <a:schemeClr val="tx1"/>
+              </a:solidFill>
+            </a:ln>
+          </p:spPr>
+          <p:style>
+            <a:lnRef idx="2">
+              <a:schemeClr val="accent1">
+                <a:shade val="15000"/>
+              </a:schemeClr>
+            </a:lnRef>
+            <a:fillRef idx="1">
+              <a:schemeClr val="accent1"/>
+            </a:fillRef>
+            <a:effectRef idx="0">
+              <a:schemeClr val="accent1"/>
+            </a:effectRef>
+            <a:fontRef idx="minor">
+              <a:schemeClr val="lt1"/>
+            </a:fontRef>
+          </p:style>
+          <p:txBody>
+            <a:bodyPr rtlCol="0" anchor="ctr"/>
+            <a:lstStyle/>
+            <a:p>
+              <a:pPr algn="ctr"/>
+              <a:endParaRPr kumimoji="1" lang="ja-JP" altLang="en-US"/>
+            </a:p>
+          </p:txBody>
+        </p:sp>
+        <p:sp>
+          <p:nvSpPr>
+            <p:cNvPr id="43" name="四角形: 角を丸くする 42">
+              <a:extLst>
+                <a:ext uri="{FF2B5EF4-FFF2-40B4-BE49-F238E27FC236}">
+                  <a16:creationId xmlns:a16="http://schemas.microsoft.com/office/drawing/2014/main" id="{625AC77D-ED24-A6D3-A445-0FD0735575E4}"/>
+                </a:ext>
+              </a:extLst>
+            </p:cNvPr>
+            <p:cNvSpPr/>
+            <p:nvPr/>
+          </p:nvSpPr>
+          <p:spPr>
+            <a:xfrm>
+              <a:off x="1299917" y="2704255"/>
+              <a:ext cx="636040" cy="541297"/>
+            </a:xfrm>
+            <a:prstGeom prst="roundRect">
+              <a:avLst/>
+            </a:prstGeom>
+            <a:solidFill>
+              <a:schemeClr val="bg1"/>
+            </a:solidFill>
+            <a:ln>
+              <a:solidFill>
+                <a:schemeClr val="bg1"/>
+              </a:solidFill>
+            </a:ln>
+          </p:spPr>
+          <p:style>
+            <a:lnRef idx="2">
+              <a:schemeClr val="accent1">
+                <a:shade val="15000"/>
+              </a:schemeClr>
+            </a:lnRef>
+            <a:fillRef idx="1">
+              <a:schemeClr val="accent1"/>
+            </a:fillRef>
+            <a:effectRef idx="0">
+              <a:schemeClr val="accent1"/>
+            </a:effectRef>
+            <a:fontRef idx="minor">
+              <a:schemeClr val="lt1"/>
+            </a:fontRef>
+          </p:style>
+          <p:txBody>
+            <a:bodyPr rtlCol="0" anchor="ctr"/>
+            <a:lstStyle/>
+            <a:p>
+              <a:pPr algn="ctr"/>
+              <a:endParaRPr kumimoji="1" lang="ja-JP" altLang="en-US"/>
+            </a:p>
+          </p:txBody>
+        </p:sp>
+        <p:sp>
+          <p:nvSpPr>
+            <p:cNvPr id="44" name="四角形: 角を丸くする 43">
+              <a:extLst>
+                <a:ext uri="{FF2B5EF4-FFF2-40B4-BE49-F238E27FC236}">
+                  <a16:creationId xmlns:a16="http://schemas.microsoft.com/office/drawing/2014/main" id="{106CD92F-8583-8666-1D2F-90C0B68306B0}"/>
+                </a:ext>
+              </a:extLst>
+            </p:cNvPr>
+            <p:cNvSpPr/>
+            <p:nvPr/>
+          </p:nvSpPr>
+          <p:spPr>
+            <a:xfrm>
+              <a:off x="1595077" y="2570006"/>
+              <a:ext cx="45719" cy="864394"/>
+            </a:xfrm>
+            <a:prstGeom prst="roundRect">
+              <a:avLst>
+                <a:gd name="adj" fmla="val 39485"/>
+              </a:avLst>
+            </a:prstGeom>
+            <a:noFill/>
+            <a:ln>
+              <a:solidFill>
+                <a:schemeClr val="tx1"/>
+              </a:solidFill>
+            </a:ln>
+          </p:spPr>
+          <p:style>
+            <a:lnRef idx="2">
+              <a:schemeClr val="accent1">
+                <a:shade val="15000"/>
+              </a:schemeClr>
+            </a:lnRef>
+            <a:fillRef idx="1">
+              <a:schemeClr val="accent1"/>
+            </a:fillRef>
+            <a:effectRef idx="0">
+              <a:schemeClr val="accent1"/>
+            </a:effectRef>
+            <a:fontRef idx="minor">
+              <a:schemeClr val="lt1"/>
+            </a:fontRef>
+          </p:style>
+          <p:txBody>
+            <a:bodyPr rtlCol="0" anchor="ctr"/>
+            <a:lstStyle/>
+            <a:p>
+              <a:pPr algn="ctr"/>
+              <a:endParaRPr kumimoji="1" lang="ja-JP" altLang="en-US"/>
+            </a:p>
+          </p:txBody>
+        </p:sp>
+        <p:sp>
+          <p:nvSpPr>
+            <p:cNvPr id="45" name="四角形: 角を丸くする 44">
+              <a:extLst>
+                <a:ext uri="{FF2B5EF4-FFF2-40B4-BE49-F238E27FC236}">
+                  <a16:creationId xmlns:a16="http://schemas.microsoft.com/office/drawing/2014/main" id="{11A10E33-35F6-0475-9210-317344324081}"/>
+                </a:ext>
+              </a:extLst>
+            </p:cNvPr>
+            <p:cNvSpPr/>
+            <p:nvPr/>
+          </p:nvSpPr>
+          <p:spPr>
+            <a:xfrm>
+              <a:off x="1595077" y="2909414"/>
+              <a:ext cx="45719" cy="590393"/>
+            </a:xfrm>
+            <a:prstGeom prst="roundRect">
+              <a:avLst>
+                <a:gd name="adj" fmla="val 39485"/>
+              </a:avLst>
+            </a:prstGeom>
+            <a:solidFill>
+              <a:schemeClr val="tx1"/>
+            </a:solidFill>
+            <a:ln>
+              <a:solidFill>
+                <a:schemeClr val="tx1"/>
+              </a:solidFill>
+            </a:ln>
+          </p:spPr>
+          <p:style>
+            <a:lnRef idx="2">
+              <a:schemeClr val="accent1">
+                <a:shade val="15000"/>
+              </a:schemeClr>
+            </a:lnRef>
+            <a:fillRef idx="1">
+              <a:schemeClr val="accent1"/>
+            </a:fillRef>
+            <a:effectRef idx="0">
+              <a:schemeClr val="accent1"/>
+            </a:effectRef>
+            <a:fontRef idx="minor">
+              <a:schemeClr val="lt1"/>
+            </a:fontRef>
+          </p:style>
+          <p:txBody>
+            <a:bodyPr rtlCol="0" anchor="ctr"/>
+            <a:lstStyle/>
+            <a:p>
+              <a:pPr algn="ctr"/>
+              <a:endParaRPr kumimoji="1" lang="ja-JP" altLang="en-US"/>
+            </a:p>
+          </p:txBody>
+        </p:sp>
+        <mc:AlternateContent xmlns:mc="http://schemas.openxmlformats.org/markup-compatibility/2006" xmlns:a14="http://schemas.microsoft.com/office/drawing/2010/main">
+          <mc:Choice Requires="a14">
+            <p:sp>
+              <p:nvSpPr>
+                <p:cNvPr id="46" name="テキスト ボックス 45">
+                  <a:extLst>
+                    <a:ext uri="{FF2B5EF4-FFF2-40B4-BE49-F238E27FC236}">
+                      <a16:creationId xmlns:a16="http://schemas.microsoft.com/office/drawing/2014/main" id="{DB5A39E8-5030-6F77-3157-5EB1B3F5B9A2}"/>
+                    </a:ext>
+                  </a:extLst>
+                </p:cNvPr>
+                <p:cNvSpPr txBox="1"/>
+                <p:nvPr/>
+              </p:nvSpPr>
+              <p:spPr>
+                <a:xfrm>
+                  <a:off x="1476551" y="2166614"/>
+                  <a:ext cx="484161" cy="252051"/>
+                </a:xfrm>
+                <a:prstGeom prst="rect">
+                  <a:avLst/>
+                </a:prstGeom>
+                <a:noFill/>
+              </p:spPr>
+              <p:txBody>
+                <a:bodyPr wrap="none" lIns="0" tIns="0" rIns="0" bIns="0" rtlCol="0">
+                  <a:spAutoFit/>
+                </a:bodyPr>
+                <a:lstStyle/>
+                <a:p>
+                  <a:pPr/>
+                  <a14:m>
+                    <m:oMathPara xmlns:m="http://schemas.openxmlformats.org/officeDocument/2006/math">
+                      <m:oMathParaPr>
+                        <m:jc m:val="centerGroup"/>
+                      </m:oMathParaPr>
+                      <m:oMath xmlns:m="http://schemas.openxmlformats.org/officeDocument/2006/math">
+                        <m:sSub>
+                          <m:sSubPr>
+                            <m:ctrlPr>
+                              <a:rPr kumimoji="1" lang="en-US" altLang="ja-JP" b="0" i="1" smtClean="0">
+                                <a:latin typeface="Cambria Math" panose="02040503050406030204" pitchFamily="18" charset="0"/>
+                              </a:rPr>
+                            </m:ctrlPr>
+                          </m:sSubPr>
+                          <m:e>
+                            <m:r>
+                              <a:rPr kumimoji="1" lang="en-US" altLang="ja-JP" b="0" i="1" smtClean="0">
+                                <a:latin typeface="Cambria Math" panose="02040503050406030204" pitchFamily="18" charset="0"/>
+                              </a:rPr>
+                              <m:t>𝑝</m:t>
+                            </m:r>
+                          </m:e>
+                          <m:sub>
+                            <m:r>
+                              <a:rPr kumimoji="1" lang="en-US" altLang="ja-JP" b="0" i="1" smtClean="0">
+                                <a:latin typeface="Cambria Math" panose="02040503050406030204" pitchFamily="18" charset="0"/>
+                              </a:rPr>
+                              <m:t>𝑎𝑡𝑚</m:t>
+                            </m:r>
+                          </m:sub>
+                        </m:sSub>
+                      </m:oMath>
+                    </m:oMathPara>
+                  </a14:m>
+                  <a:endParaRPr kumimoji="1" lang="ja-JP" altLang="en-US" dirty="0"/>
+                </a:p>
+              </p:txBody>
+            </p:sp>
+          </mc:Choice>
+          <mc:Fallback xmlns="">
+            <p:sp>
+              <p:nvSpPr>
+                <p:cNvPr id="46" name="テキスト ボックス 45">
+                  <a:extLst>
+                    <a:ext uri="{FF2B5EF4-FFF2-40B4-BE49-F238E27FC236}">
+                      <a16:creationId xmlns:a16="http://schemas.microsoft.com/office/drawing/2014/main" id="{D5C9E89C-29E1-1806-FB72-E7F18E803D1A}"/>
+                    </a:ext>
+                  </a:extLst>
+                </p:cNvPr>
+                <p:cNvSpPr txBox="1">
+                  <a:spLocks noRot="1" noChangeAspect="1" noMove="1" noResize="1" noEditPoints="1" noAdjustHandles="1" noChangeArrowheads="1" noChangeShapeType="1" noTextEdit="1"/>
+                </p:cNvSpPr>
+                <p:nvPr/>
+              </p:nvSpPr>
+              <p:spPr>
+                <a:xfrm>
+                  <a:off x="1476551" y="2166614"/>
+                  <a:ext cx="484161" cy="252051"/>
+                </a:xfrm>
+                <a:prstGeom prst="rect">
+                  <a:avLst/>
+                </a:prstGeom>
+                <a:blipFill>
+                  <a:blip r:embed="rId2"/>
+                  <a:stretch>
+                    <a:fillRect l="-9091" r="-1136" b="-23913"/>
+                  </a:stretch>
+                </a:blipFill>
+              </p:spPr>
+              <p:txBody>
+                <a:bodyPr/>
+                <a:lstStyle/>
+                <a:p>
+                  <a:r>
+                    <a:rPr lang="ja-JP" altLang="en-US">
+                      <a:noFill/>
+                    </a:rPr>
+                    <a:t> </a:t>
+                  </a:r>
+                </a:p>
+              </p:txBody>
+            </p:sp>
+          </mc:Fallback>
+        </mc:AlternateContent>
+        <p:sp>
+          <p:nvSpPr>
+            <p:cNvPr id="47" name="四角形: 角を丸くする 46">
+              <a:extLst>
+                <a:ext uri="{FF2B5EF4-FFF2-40B4-BE49-F238E27FC236}">
+                  <a16:creationId xmlns:a16="http://schemas.microsoft.com/office/drawing/2014/main" id="{3209C2D5-EB6B-9C7E-5E0A-4A630F51CE0F}"/>
+                </a:ext>
+              </a:extLst>
+            </p:cNvPr>
+            <p:cNvSpPr/>
+            <p:nvPr/>
+          </p:nvSpPr>
+          <p:spPr>
+            <a:xfrm>
+              <a:off x="2350984" y="2576097"/>
+              <a:ext cx="45719" cy="864394"/>
+            </a:xfrm>
+            <a:prstGeom prst="roundRect">
+              <a:avLst>
+                <a:gd name="adj" fmla="val 39485"/>
+              </a:avLst>
+            </a:prstGeom>
+            <a:noFill/>
+            <a:ln>
+              <a:solidFill>
+                <a:schemeClr val="tx1"/>
+              </a:solidFill>
+            </a:ln>
+          </p:spPr>
+          <p:style>
+            <a:lnRef idx="2">
+              <a:schemeClr val="accent1">
+                <a:shade val="15000"/>
+              </a:schemeClr>
+            </a:lnRef>
+            <a:fillRef idx="1">
+              <a:schemeClr val="accent1"/>
+            </a:fillRef>
+            <a:effectRef idx="0">
+              <a:schemeClr val="accent1"/>
+            </a:effectRef>
+            <a:fontRef idx="minor">
+              <a:schemeClr val="lt1"/>
+            </a:fontRef>
+          </p:style>
+          <p:txBody>
+            <a:bodyPr rtlCol="0" anchor="ctr"/>
+            <a:lstStyle/>
+            <a:p>
+              <a:pPr algn="ctr"/>
+              <a:endParaRPr kumimoji="1" lang="ja-JP" altLang="en-US"/>
+            </a:p>
+          </p:txBody>
+        </p:sp>
+        <p:sp>
+          <p:nvSpPr>
+            <p:cNvPr id="48" name="四角形: 角を丸くする 47">
+              <a:extLst>
+                <a:ext uri="{FF2B5EF4-FFF2-40B4-BE49-F238E27FC236}">
+                  <a16:creationId xmlns:a16="http://schemas.microsoft.com/office/drawing/2014/main" id="{E7680A9E-E70F-A963-8FFC-6E5C00211075}"/>
+                </a:ext>
+              </a:extLst>
+            </p:cNvPr>
+            <p:cNvSpPr/>
+            <p:nvPr/>
+          </p:nvSpPr>
+          <p:spPr>
+            <a:xfrm>
+              <a:off x="2350984" y="3376180"/>
+              <a:ext cx="45719" cy="59939"/>
+            </a:xfrm>
+            <a:prstGeom prst="roundRect">
+              <a:avLst>
+                <a:gd name="adj" fmla="val 39485"/>
+              </a:avLst>
+            </a:prstGeom>
+            <a:solidFill>
+              <a:schemeClr val="tx1"/>
+            </a:solidFill>
+            <a:ln>
+              <a:solidFill>
+                <a:schemeClr val="tx1"/>
+              </a:solidFill>
+            </a:ln>
+          </p:spPr>
+          <p:style>
+            <a:lnRef idx="2">
+              <a:schemeClr val="accent1">
+                <a:shade val="15000"/>
+              </a:schemeClr>
+            </a:lnRef>
+            <a:fillRef idx="1">
+              <a:schemeClr val="accent1"/>
+            </a:fillRef>
+            <a:effectRef idx="0">
+              <a:schemeClr val="accent1"/>
+            </a:effectRef>
+            <a:fontRef idx="minor">
+              <a:schemeClr val="lt1"/>
+            </a:fontRef>
+          </p:style>
+          <p:txBody>
+            <a:bodyPr rtlCol="0" anchor="ctr"/>
+            <a:lstStyle/>
+            <a:p>
+              <a:pPr algn="ctr"/>
+              <a:endParaRPr kumimoji="1" lang="ja-JP" altLang="en-US"/>
+            </a:p>
+          </p:txBody>
+        </p:sp>
+        <p:cxnSp>
+          <p:nvCxnSpPr>
+            <p:cNvPr id="49" name="直線コネクタ 48">
+              <a:extLst>
+                <a:ext uri="{FF2B5EF4-FFF2-40B4-BE49-F238E27FC236}">
+                  <a16:creationId xmlns:a16="http://schemas.microsoft.com/office/drawing/2014/main" id="{F43A77B4-867B-1550-CF8F-E80E391BAA9E}"/>
+                </a:ext>
+              </a:extLst>
+            </p:cNvPr>
+            <p:cNvCxnSpPr>
+              <a:cxnSpLocks/>
+            </p:cNvCxnSpPr>
+            <p:nvPr/>
+          </p:nvCxnSpPr>
+          <p:spPr>
+            <a:xfrm flipV="1">
+              <a:off x="2374398" y="2909414"/>
+              <a:ext cx="0" cy="519586"/>
+            </a:xfrm>
+            <a:prstGeom prst="line">
+              <a:avLst/>
+            </a:prstGeom>
+            <a:ln w="6350"/>
+          </p:spPr>
+          <p:style>
+            <a:lnRef idx="2">
+              <a:schemeClr val="dk1"/>
+            </a:lnRef>
+            <a:fillRef idx="0">
+              <a:schemeClr val="dk1"/>
+            </a:fillRef>
+            <a:effectRef idx="1">
+              <a:schemeClr val="dk1"/>
+            </a:effectRef>
+            <a:fontRef idx="minor">
+              <a:schemeClr val="tx1"/>
+            </a:fontRef>
+          </p:style>
+        </p:cxnSp>
+        <p:cxnSp>
+          <p:nvCxnSpPr>
+            <p:cNvPr id="50" name="直線コネクタ 49">
+              <a:extLst>
+                <a:ext uri="{FF2B5EF4-FFF2-40B4-BE49-F238E27FC236}">
+                  <a16:creationId xmlns:a16="http://schemas.microsoft.com/office/drawing/2014/main" id="{2A3F59E2-CEA7-ABEC-65CF-715FCF08F595}"/>
+                </a:ext>
+              </a:extLst>
+            </p:cNvPr>
+            <p:cNvCxnSpPr>
+              <a:stCxn id="47" idx="1"/>
+              <a:endCxn id="47" idx="3"/>
+            </p:cNvCxnSpPr>
+            <p:nvPr/>
+          </p:nvCxnSpPr>
+          <p:spPr>
+            <a:xfrm>
+              <a:off x="2350984" y="3008294"/>
+              <a:ext cx="45719" cy="0"/>
+            </a:xfrm>
+            <a:prstGeom prst="line">
+              <a:avLst/>
+            </a:prstGeom>
+            <a:ln w="6350"/>
+          </p:spPr>
+          <p:style>
+            <a:lnRef idx="2">
+              <a:schemeClr val="dk1"/>
+            </a:lnRef>
+            <a:fillRef idx="0">
+              <a:schemeClr val="dk1"/>
+            </a:fillRef>
+            <a:effectRef idx="1">
+              <a:schemeClr val="dk1"/>
+            </a:effectRef>
+            <a:fontRef idx="minor">
+              <a:schemeClr val="tx1"/>
+            </a:fontRef>
+          </p:style>
+        </p:cxnSp>
+        <p:cxnSp>
+          <p:nvCxnSpPr>
+            <p:cNvPr id="51" name="直線コネクタ 50">
+              <a:extLst>
+                <a:ext uri="{FF2B5EF4-FFF2-40B4-BE49-F238E27FC236}">
+                  <a16:creationId xmlns:a16="http://schemas.microsoft.com/office/drawing/2014/main" id="{4C62D273-A6FC-3610-2BB2-2CF2C17DA661}"/>
+                </a:ext>
+              </a:extLst>
+            </p:cNvPr>
+            <p:cNvCxnSpPr/>
+            <p:nvPr/>
+          </p:nvCxnSpPr>
+          <p:spPr>
+            <a:xfrm>
+              <a:off x="2350982" y="3063064"/>
+              <a:ext cx="45719" cy="0"/>
+            </a:xfrm>
+            <a:prstGeom prst="line">
+              <a:avLst/>
+            </a:prstGeom>
+            <a:ln w="6350"/>
+          </p:spPr>
+          <p:style>
+            <a:lnRef idx="2">
+              <a:schemeClr val="dk1"/>
+            </a:lnRef>
+            <a:fillRef idx="0">
+              <a:schemeClr val="dk1"/>
+            </a:fillRef>
+            <a:effectRef idx="1">
+              <a:schemeClr val="dk1"/>
+            </a:effectRef>
+            <a:fontRef idx="minor">
+              <a:schemeClr val="tx1"/>
+            </a:fontRef>
+          </p:style>
+        </p:cxnSp>
+        <p:cxnSp>
+          <p:nvCxnSpPr>
+            <p:cNvPr id="52" name="直線コネクタ 51">
+              <a:extLst>
+                <a:ext uri="{FF2B5EF4-FFF2-40B4-BE49-F238E27FC236}">
+                  <a16:creationId xmlns:a16="http://schemas.microsoft.com/office/drawing/2014/main" id="{D8A8A450-FA51-B77A-3E7B-8D2CFAFACEC3}"/>
+                </a:ext>
+              </a:extLst>
+            </p:cNvPr>
+            <p:cNvCxnSpPr/>
+            <p:nvPr/>
+          </p:nvCxnSpPr>
+          <p:spPr>
+            <a:xfrm>
+              <a:off x="2354683" y="3112874"/>
+              <a:ext cx="45719" cy="0"/>
+            </a:xfrm>
+            <a:prstGeom prst="line">
+              <a:avLst/>
+            </a:prstGeom>
+            <a:ln w="6350"/>
+          </p:spPr>
+          <p:style>
+            <a:lnRef idx="2">
+              <a:schemeClr val="dk1"/>
+            </a:lnRef>
+            <a:fillRef idx="0">
+              <a:schemeClr val="dk1"/>
+            </a:fillRef>
+            <a:effectRef idx="1">
+              <a:schemeClr val="dk1"/>
+            </a:effectRef>
+            <a:fontRef idx="minor">
+              <a:schemeClr val="tx1"/>
+            </a:fontRef>
+          </p:style>
+        </p:cxnSp>
+        <p:cxnSp>
+          <p:nvCxnSpPr>
+            <p:cNvPr id="53" name="直線コネクタ 52">
+              <a:extLst>
+                <a:ext uri="{FF2B5EF4-FFF2-40B4-BE49-F238E27FC236}">
+                  <a16:creationId xmlns:a16="http://schemas.microsoft.com/office/drawing/2014/main" id="{669D6346-F757-C3E3-1B69-D3A2AE2BEFF2}"/>
+                </a:ext>
+              </a:extLst>
+            </p:cNvPr>
+            <p:cNvCxnSpPr/>
+            <p:nvPr/>
+          </p:nvCxnSpPr>
+          <p:spPr>
+            <a:xfrm>
+              <a:off x="2350981" y="2898283"/>
+              <a:ext cx="45719" cy="0"/>
+            </a:xfrm>
+            <a:prstGeom prst="line">
+              <a:avLst/>
+            </a:prstGeom>
+            <a:ln w="6350"/>
+          </p:spPr>
+          <p:style>
+            <a:lnRef idx="2">
+              <a:schemeClr val="dk1"/>
+            </a:lnRef>
+            <a:fillRef idx="0">
+              <a:schemeClr val="dk1"/>
+            </a:fillRef>
+            <a:effectRef idx="1">
+              <a:schemeClr val="dk1"/>
+            </a:effectRef>
+            <a:fontRef idx="minor">
+              <a:schemeClr val="tx1"/>
+            </a:fontRef>
+          </p:style>
+        </p:cxnSp>
+        <p:cxnSp>
+          <p:nvCxnSpPr>
+            <p:cNvPr id="54" name="直線コネクタ 53">
+              <a:extLst>
+                <a:ext uri="{FF2B5EF4-FFF2-40B4-BE49-F238E27FC236}">
+                  <a16:creationId xmlns:a16="http://schemas.microsoft.com/office/drawing/2014/main" id="{019A07AE-9822-3726-FD5B-CC9DDF9F7732}"/>
+                </a:ext>
+              </a:extLst>
+            </p:cNvPr>
+            <p:cNvCxnSpPr/>
+            <p:nvPr/>
+          </p:nvCxnSpPr>
+          <p:spPr>
+            <a:xfrm>
+              <a:off x="2350979" y="2953053"/>
+              <a:ext cx="45719" cy="0"/>
+            </a:xfrm>
+            <a:prstGeom prst="line">
+              <a:avLst/>
+            </a:prstGeom>
+            <a:ln w="6350"/>
+          </p:spPr>
+          <p:style>
+            <a:lnRef idx="2">
+              <a:schemeClr val="dk1"/>
+            </a:lnRef>
+            <a:fillRef idx="0">
+              <a:schemeClr val="dk1"/>
+            </a:fillRef>
+            <a:effectRef idx="1">
+              <a:schemeClr val="dk1"/>
+            </a:effectRef>
+            <a:fontRef idx="minor">
+              <a:schemeClr val="tx1"/>
+            </a:fontRef>
+          </p:style>
+        </p:cxnSp>
+        <p:cxnSp>
+          <p:nvCxnSpPr>
+            <p:cNvPr id="55" name="直線コネクタ 54">
+              <a:extLst>
+                <a:ext uri="{FF2B5EF4-FFF2-40B4-BE49-F238E27FC236}">
+                  <a16:creationId xmlns:a16="http://schemas.microsoft.com/office/drawing/2014/main" id="{133BC410-DCD0-B2BD-7AF6-5C39662AE6E1}"/>
+                </a:ext>
+              </a:extLst>
+            </p:cNvPr>
+            <p:cNvCxnSpPr/>
+            <p:nvPr/>
+          </p:nvCxnSpPr>
+          <p:spPr>
+            <a:xfrm>
+              <a:off x="2350982" y="3219023"/>
+              <a:ext cx="45719" cy="0"/>
+            </a:xfrm>
+            <a:prstGeom prst="line">
+              <a:avLst/>
+            </a:prstGeom>
+            <a:ln w="6350"/>
+          </p:spPr>
+          <p:style>
+            <a:lnRef idx="2">
+              <a:schemeClr val="dk1"/>
+            </a:lnRef>
+            <a:fillRef idx="0">
+              <a:schemeClr val="dk1"/>
+            </a:fillRef>
+            <a:effectRef idx="1">
+              <a:schemeClr val="dk1"/>
+            </a:effectRef>
+            <a:fontRef idx="minor">
+              <a:schemeClr val="tx1"/>
+            </a:fontRef>
+          </p:style>
+        </p:cxnSp>
+        <p:cxnSp>
+          <p:nvCxnSpPr>
+            <p:cNvPr id="56" name="直線コネクタ 55">
+              <a:extLst>
+                <a:ext uri="{FF2B5EF4-FFF2-40B4-BE49-F238E27FC236}">
+                  <a16:creationId xmlns:a16="http://schemas.microsoft.com/office/drawing/2014/main" id="{1A0CE7E8-F38F-36DB-2AC8-81C983532735}"/>
+                </a:ext>
+              </a:extLst>
+            </p:cNvPr>
+            <p:cNvCxnSpPr/>
+            <p:nvPr/>
+          </p:nvCxnSpPr>
+          <p:spPr>
+            <a:xfrm>
+              <a:off x="2350980" y="3273793"/>
+              <a:ext cx="45719" cy="0"/>
+            </a:xfrm>
+            <a:prstGeom prst="line">
+              <a:avLst/>
+            </a:prstGeom>
+            <a:ln w="6350"/>
+          </p:spPr>
+          <p:style>
+            <a:lnRef idx="2">
+              <a:schemeClr val="dk1"/>
+            </a:lnRef>
+            <a:fillRef idx="0">
+              <a:schemeClr val="dk1"/>
+            </a:fillRef>
+            <a:effectRef idx="1">
+              <a:schemeClr val="dk1"/>
+            </a:effectRef>
+            <a:fontRef idx="minor">
+              <a:schemeClr val="tx1"/>
+            </a:fontRef>
+          </p:style>
+        </p:cxnSp>
+        <p:cxnSp>
+          <p:nvCxnSpPr>
+            <p:cNvPr id="57" name="直線コネクタ 56">
+              <a:extLst>
+                <a:ext uri="{FF2B5EF4-FFF2-40B4-BE49-F238E27FC236}">
+                  <a16:creationId xmlns:a16="http://schemas.microsoft.com/office/drawing/2014/main" id="{97633169-5137-8430-7A93-2E5393681568}"/>
+                </a:ext>
+              </a:extLst>
+            </p:cNvPr>
+            <p:cNvCxnSpPr/>
+            <p:nvPr/>
+          </p:nvCxnSpPr>
+          <p:spPr>
+            <a:xfrm>
+              <a:off x="2354681" y="3323603"/>
+              <a:ext cx="45719" cy="0"/>
+            </a:xfrm>
+            <a:prstGeom prst="line">
+              <a:avLst/>
+            </a:prstGeom>
+            <a:ln w="6350"/>
+          </p:spPr>
+          <p:style>
+            <a:lnRef idx="2">
+              <a:schemeClr val="dk1"/>
+            </a:lnRef>
+            <a:fillRef idx="0">
+              <a:schemeClr val="dk1"/>
+            </a:fillRef>
+            <a:effectRef idx="1">
+              <a:schemeClr val="dk1"/>
+            </a:effectRef>
+            <a:fontRef idx="minor">
+              <a:schemeClr val="tx1"/>
+            </a:fontRef>
+          </p:style>
+        </p:cxnSp>
+        <p:cxnSp>
+          <p:nvCxnSpPr>
+            <p:cNvPr id="58" name="直線コネクタ 57">
+              <a:extLst>
+                <a:ext uri="{FF2B5EF4-FFF2-40B4-BE49-F238E27FC236}">
+                  <a16:creationId xmlns:a16="http://schemas.microsoft.com/office/drawing/2014/main" id="{AB508D6A-951E-58E8-4258-BF0187CEE7BC}"/>
+                </a:ext>
+              </a:extLst>
+            </p:cNvPr>
+            <p:cNvCxnSpPr/>
+            <p:nvPr/>
+          </p:nvCxnSpPr>
+          <p:spPr>
+            <a:xfrm>
+              <a:off x="2350977" y="3163782"/>
+              <a:ext cx="45719" cy="0"/>
+            </a:xfrm>
+            <a:prstGeom prst="line">
+              <a:avLst/>
+            </a:prstGeom>
+            <a:ln w="6350"/>
+          </p:spPr>
+          <p:style>
+            <a:lnRef idx="2">
+              <a:schemeClr val="dk1"/>
+            </a:lnRef>
+            <a:fillRef idx="0">
+              <a:schemeClr val="dk1"/>
+            </a:fillRef>
+            <a:effectRef idx="1">
+              <a:schemeClr val="dk1"/>
+            </a:effectRef>
+            <a:fontRef idx="minor">
+              <a:schemeClr val="tx1"/>
+            </a:fontRef>
+          </p:style>
+        </p:cxnSp>
+        <p:cxnSp>
+          <p:nvCxnSpPr>
+            <p:cNvPr id="59" name="直線コネクタ 58">
+              <a:extLst>
+                <a:ext uri="{FF2B5EF4-FFF2-40B4-BE49-F238E27FC236}">
+                  <a16:creationId xmlns:a16="http://schemas.microsoft.com/office/drawing/2014/main" id="{BFDFEF2C-6178-8738-81BE-946F2FD1D0A1}"/>
+                </a:ext>
+              </a:extLst>
+            </p:cNvPr>
+            <p:cNvCxnSpPr/>
+            <p:nvPr/>
+          </p:nvCxnSpPr>
+          <p:spPr>
+            <a:xfrm>
+              <a:off x="2350978" y="2636820"/>
+              <a:ext cx="45719" cy="0"/>
+            </a:xfrm>
+            <a:prstGeom prst="line">
+              <a:avLst/>
+            </a:prstGeom>
+            <a:ln w="6350"/>
+          </p:spPr>
+          <p:style>
+            <a:lnRef idx="2">
+              <a:schemeClr val="dk1"/>
+            </a:lnRef>
+            <a:fillRef idx="0">
+              <a:schemeClr val="dk1"/>
+            </a:fillRef>
+            <a:effectRef idx="1">
+              <a:schemeClr val="dk1"/>
+            </a:effectRef>
+            <a:fontRef idx="minor">
+              <a:schemeClr val="tx1"/>
+            </a:fontRef>
+          </p:style>
+        </p:cxnSp>
+        <p:cxnSp>
+          <p:nvCxnSpPr>
+            <p:cNvPr id="60" name="直線コネクタ 59">
+              <a:extLst>
+                <a:ext uri="{FF2B5EF4-FFF2-40B4-BE49-F238E27FC236}">
+                  <a16:creationId xmlns:a16="http://schemas.microsoft.com/office/drawing/2014/main" id="{61C6AE43-0B7C-ECFD-7B05-BE22798C5C0B}"/>
+                </a:ext>
+              </a:extLst>
+            </p:cNvPr>
+            <p:cNvCxnSpPr/>
+            <p:nvPr/>
+          </p:nvCxnSpPr>
+          <p:spPr>
+            <a:xfrm>
+              <a:off x="2354679" y="2686630"/>
+              <a:ext cx="45719" cy="0"/>
+            </a:xfrm>
+            <a:prstGeom prst="line">
+              <a:avLst/>
+            </a:prstGeom>
+            <a:ln w="6350"/>
+          </p:spPr>
+          <p:style>
+            <a:lnRef idx="2">
+              <a:schemeClr val="dk1"/>
+            </a:lnRef>
+            <a:fillRef idx="0">
+              <a:schemeClr val="dk1"/>
+            </a:fillRef>
+            <a:effectRef idx="1">
+              <a:schemeClr val="dk1"/>
+            </a:effectRef>
+            <a:fontRef idx="minor">
+              <a:schemeClr val="tx1"/>
+            </a:fontRef>
+          </p:style>
+        </p:cxnSp>
+        <p:cxnSp>
+          <p:nvCxnSpPr>
+            <p:cNvPr id="61" name="直線コネクタ 60">
+              <a:extLst>
+                <a:ext uri="{FF2B5EF4-FFF2-40B4-BE49-F238E27FC236}">
+                  <a16:creationId xmlns:a16="http://schemas.microsoft.com/office/drawing/2014/main" id="{0E5430E2-19A7-553D-FD9A-421C6217C7D9}"/>
+                </a:ext>
+              </a:extLst>
+            </p:cNvPr>
+            <p:cNvCxnSpPr/>
+            <p:nvPr/>
+          </p:nvCxnSpPr>
+          <p:spPr>
+            <a:xfrm>
+              <a:off x="2350978" y="2792779"/>
+              <a:ext cx="45719" cy="0"/>
+            </a:xfrm>
+            <a:prstGeom prst="line">
+              <a:avLst/>
+            </a:prstGeom>
+            <a:ln w="6350"/>
+          </p:spPr>
+          <p:style>
+            <a:lnRef idx="2">
+              <a:schemeClr val="dk1"/>
+            </a:lnRef>
+            <a:fillRef idx="0">
+              <a:schemeClr val="dk1"/>
+            </a:fillRef>
+            <a:effectRef idx="1">
+              <a:schemeClr val="dk1"/>
+            </a:effectRef>
+            <a:fontRef idx="minor">
+              <a:schemeClr val="tx1"/>
+            </a:fontRef>
+          </p:style>
+        </p:cxnSp>
+        <p:cxnSp>
+          <p:nvCxnSpPr>
+            <p:cNvPr id="62" name="直線コネクタ 61">
+              <a:extLst>
+                <a:ext uri="{FF2B5EF4-FFF2-40B4-BE49-F238E27FC236}">
+                  <a16:creationId xmlns:a16="http://schemas.microsoft.com/office/drawing/2014/main" id="{D61B40E5-D382-8111-B924-9D4041001010}"/>
+                </a:ext>
+              </a:extLst>
+            </p:cNvPr>
+            <p:cNvCxnSpPr/>
+            <p:nvPr/>
+          </p:nvCxnSpPr>
+          <p:spPr>
+            <a:xfrm>
+              <a:off x="2350976" y="2847549"/>
+              <a:ext cx="45719" cy="0"/>
+            </a:xfrm>
+            <a:prstGeom prst="line">
+              <a:avLst/>
+            </a:prstGeom>
+            <a:ln w="6350"/>
+          </p:spPr>
+          <p:style>
+            <a:lnRef idx="2">
+              <a:schemeClr val="dk1"/>
+            </a:lnRef>
+            <a:fillRef idx="0">
+              <a:schemeClr val="dk1"/>
+            </a:fillRef>
+            <a:effectRef idx="1">
+              <a:schemeClr val="dk1"/>
+            </a:effectRef>
+            <a:fontRef idx="minor">
+              <a:schemeClr val="tx1"/>
+            </a:fontRef>
+          </p:style>
+        </p:cxnSp>
+        <p:cxnSp>
+          <p:nvCxnSpPr>
+            <p:cNvPr id="63" name="直線コネクタ 62">
+              <a:extLst>
+                <a:ext uri="{FF2B5EF4-FFF2-40B4-BE49-F238E27FC236}">
+                  <a16:creationId xmlns:a16="http://schemas.microsoft.com/office/drawing/2014/main" id="{91BC570F-DBC9-9045-5146-D6E52A127DA2}"/>
+                </a:ext>
+              </a:extLst>
+            </p:cNvPr>
+            <p:cNvCxnSpPr/>
+            <p:nvPr/>
+          </p:nvCxnSpPr>
+          <p:spPr>
+            <a:xfrm>
+              <a:off x="2350973" y="2737538"/>
+              <a:ext cx="45719" cy="0"/>
+            </a:xfrm>
+            <a:prstGeom prst="line">
+              <a:avLst/>
+            </a:prstGeom>
+            <a:ln w="6350"/>
+          </p:spPr>
+          <p:style>
+            <a:lnRef idx="2">
+              <a:schemeClr val="dk1"/>
+            </a:lnRef>
+            <a:fillRef idx="0">
+              <a:schemeClr val="dk1"/>
+            </a:fillRef>
+            <a:effectRef idx="1">
+              <a:schemeClr val="dk1"/>
+            </a:effectRef>
+            <a:fontRef idx="minor">
+              <a:schemeClr val="tx1"/>
+            </a:fontRef>
+          </p:style>
+        </p:cxnSp>
+        <mc:AlternateContent xmlns:mc="http://schemas.openxmlformats.org/markup-compatibility/2006" xmlns:a14="http://schemas.microsoft.com/office/drawing/2010/main">
+          <mc:Choice Requires="a14">
+            <p:sp>
+              <p:nvSpPr>
+                <p:cNvPr id="64" name="テキスト ボックス 63">
+                  <a:extLst>
+                    <a:ext uri="{FF2B5EF4-FFF2-40B4-BE49-F238E27FC236}">
+                      <a16:creationId xmlns:a16="http://schemas.microsoft.com/office/drawing/2014/main" id="{2190FA86-867A-628A-363E-EB44C951C24B}"/>
+                    </a:ext>
+                  </a:extLst>
+                </p:cNvPr>
+                <p:cNvSpPr txBox="1"/>
+                <p:nvPr/>
+              </p:nvSpPr>
+              <p:spPr>
+                <a:xfrm>
+                  <a:off x="2228087" y="2166613"/>
+                  <a:ext cx="182828" cy="252051"/>
+                </a:xfrm>
+                <a:prstGeom prst="rect">
+                  <a:avLst/>
+                </a:prstGeom>
+                <a:noFill/>
+              </p:spPr>
+              <p:txBody>
+                <a:bodyPr wrap="none" lIns="0" tIns="0" rIns="0" bIns="0" rtlCol="0">
+                  <a:spAutoFit/>
+                </a:bodyPr>
+                <a:lstStyle/>
+                <a:p>
+                  <a:pPr/>
+                  <a14:m>
+                    <m:oMathPara xmlns:m="http://schemas.openxmlformats.org/officeDocument/2006/math">
+                      <m:oMathParaPr>
+                        <m:jc m:val="centerGroup"/>
+                      </m:oMathParaPr>
+                      <m:oMath xmlns:m="http://schemas.openxmlformats.org/officeDocument/2006/math">
+                        <m:r>
+                          <a:rPr kumimoji="1" lang="en-US" altLang="ja-JP" b="0" i="1" smtClean="0">
+                            <a:latin typeface="Cambria Math" panose="02040503050406030204" pitchFamily="18" charset="0"/>
+                          </a:rPr>
+                          <m:t>𝜃</m:t>
+                        </m:r>
+                      </m:oMath>
+                    </m:oMathPara>
+                  </a14:m>
+                  <a:endParaRPr kumimoji="1" lang="ja-JP" altLang="en-US" dirty="0"/>
+                </a:p>
+              </p:txBody>
+            </p:sp>
+          </mc:Choice>
+          <mc:Fallback xmlns="">
+            <p:sp>
+              <p:nvSpPr>
+                <p:cNvPr id="64" name="テキスト ボックス 63">
+                  <a:extLst>
+                    <a:ext uri="{FF2B5EF4-FFF2-40B4-BE49-F238E27FC236}">
+                      <a16:creationId xmlns:a16="http://schemas.microsoft.com/office/drawing/2014/main" id="{D5439D06-E28E-A04C-4000-8E1A7C41B942}"/>
+                    </a:ext>
+                  </a:extLst>
+                </p:cNvPr>
+                <p:cNvSpPr txBox="1">
+                  <a:spLocks noRot="1" noChangeAspect="1" noMove="1" noResize="1" noEditPoints="1" noAdjustHandles="1" noChangeArrowheads="1" noChangeShapeType="1" noTextEdit="1"/>
+                </p:cNvSpPr>
+                <p:nvPr/>
+              </p:nvSpPr>
+              <p:spPr>
+                <a:xfrm>
+                  <a:off x="2228087" y="2166613"/>
+                  <a:ext cx="182828" cy="252051"/>
+                </a:xfrm>
+                <a:prstGeom prst="rect">
+                  <a:avLst/>
+                </a:prstGeom>
+                <a:blipFill>
+                  <a:blip r:embed="rId3"/>
+                  <a:stretch>
+                    <a:fillRect l="-27273" r="-18182" b="-6522"/>
+                  </a:stretch>
+                </a:blipFill>
+              </p:spPr>
+              <p:txBody>
+                <a:bodyPr/>
+                <a:lstStyle/>
+                <a:p>
+                  <a:r>
+                    <a:rPr lang="ja-JP" altLang="en-US">
+                      <a:noFill/>
+                    </a:rPr>
+                    <a:t> </a:t>
+                  </a:r>
+                </a:p>
+              </p:txBody>
+            </p:sp>
+          </mc:Fallback>
+        </mc:AlternateContent>
+      </p:grpSp>
+      <mc:AlternateContent xmlns:mc="http://schemas.openxmlformats.org/markup-compatibility/2006" xmlns:a14="http://schemas.microsoft.com/office/drawing/2010/main">
+        <mc:Choice Requires="a14">
+          <p:sp>
+            <p:nvSpPr>
+              <p:cNvPr id="2" name="フローチャート: 結合子 1">
+                <a:extLst>
+                  <a:ext uri="{FF2B5EF4-FFF2-40B4-BE49-F238E27FC236}">
+                    <a16:creationId xmlns:a16="http://schemas.microsoft.com/office/drawing/2014/main" id="{8140769A-7BE1-5734-3598-5A733BA9FED1}"/>
+                  </a:ext>
+                </a:extLst>
+              </p:cNvPr>
+              <p:cNvSpPr/>
+              <p:nvPr/>
+            </p:nvSpPr>
+            <p:spPr>
+              <a:xfrm>
+                <a:off x="560128" y="4563246"/>
+                <a:ext cx="796679" cy="791266"/>
+              </a:xfrm>
+              <a:prstGeom prst="flowChartConnector">
+                <a:avLst/>
+              </a:prstGeom>
+              <a:noFill/>
+              <a:ln>
+                <a:solidFill>
+                  <a:schemeClr val="tx1"/>
+                </a:solidFill>
+              </a:ln>
+            </p:spPr>
+            <p:style>
+              <a:lnRef idx="2">
+                <a:schemeClr val="accent1">
+                  <a:shade val="15000"/>
+                </a:schemeClr>
+              </a:lnRef>
+              <a:fillRef idx="1">
+                <a:schemeClr val="accent1"/>
+              </a:fillRef>
+              <a:effectRef idx="0">
+                <a:schemeClr val="accent1"/>
+              </a:effectRef>
+              <a:fontRef idx="minor">
+                <a:schemeClr val="lt1"/>
+              </a:fontRef>
+            </p:style>
+            <p:txBody>
+              <a:bodyPr rtlCol="0" anchor="ctr"/>
+              <a:lstStyle/>
+              <a:p>
+                <a:pPr algn="ctr"/>
+                <a14:m>
+                  <m:oMathPara xmlns:m="http://schemas.openxmlformats.org/officeDocument/2006/math">
+                    <m:oMathParaPr>
+                      <m:jc m:val="centerGroup"/>
+                    </m:oMathParaPr>
+                    <m:oMath xmlns:m="http://schemas.openxmlformats.org/officeDocument/2006/math">
+                      <m:sSub>
+                        <m:sSubPr>
+                          <m:ctrlPr>
+                            <a:rPr lang="en-US" altLang="ja-JP" i="1" dirty="0" smtClean="0">
+                              <a:solidFill>
+                                <a:schemeClr val="tx1"/>
+                              </a:solidFill>
+                              <a:latin typeface="Cambria Math" panose="02040503050406030204" pitchFamily="18" charset="0"/>
+                            </a:rPr>
+                          </m:ctrlPr>
+                        </m:sSubPr>
+                        <m:e>
+                          <m:r>
+                            <a:rPr lang="en-US" altLang="ja-JP" i="1" dirty="0" smtClean="0">
+                              <a:solidFill>
+                                <a:schemeClr val="tx1"/>
+                              </a:solidFill>
+                              <a:latin typeface="Cambria Math" panose="02040503050406030204" pitchFamily="18" charset="0"/>
+                            </a:rPr>
+                            <m:t>𝑃</m:t>
+                          </m:r>
+                        </m:e>
+                        <m:sub>
+                          <m:r>
+                            <a:rPr lang="en-US" altLang="ja-JP" i="1" dirty="0" smtClean="0">
+                              <a:solidFill>
+                                <a:schemeClr val="tx1"/>
+                              </a:solidFill>
+                              <a:latin typeface="Cambria Math" panose="02040503050406030204" pitchFamily="18" charset="0"/>
+                            </a:rPr>
+                            <m:t>1</m:t>
+                          </m:r>
+                        </m:sub>
+                      </m:sSub>
+                    </m:oMath>
+                  </m:oMathPara>
+                </a14:m>
+                <a:endParaRPr kumimoji="1" lang="ja-JP" altLang="en-US" dirty="0"/>
+              </a:p>
+            </p:txBody>
+          </p:sp>
+        </mc:Choice>
+        <mc:Fallback xmlns="">
+          <p:sp>
+            <p:nvSpPr>
+              <p:cNvPr id="2" name="フローチャート: 結合子 1">
+                <a:extLst>
+                  <a:ext uri="{FF2B5EF4-FFF2-40B4-BE49-F238E27FC236}">
+                    <a16:creationId xmlns:a16="http://schemas.microsoft.com/office/drawing/2014/main" id="{F3D8E17F-592F-41DE-6CDB-210EAC1C50BB}"/>
+                  </a:ext>
+                </a:extLst>
+              </p:cNvPr>
+              <p:cNvSpPr>
+                <a:spLocks noRot="1" noChangeAspect="1" noMove="1" noResize="1" noEditPoints="1" noAdjustHandles="1" noChangeArrowheads="1" noChangeShapeType="1" noTextEdit="1"/>
+              </p:cNvSpPr>
+              <p:nvPr/>
+            </p:nvSpPr>
+            <p:spPr>
+              <a:xfrm>
+                <a:off x="560128" y="4563246"/>
+                <a:ext cx="796679" cy="791266"/>
+              </a:xfrm>
+              <a:prstGeom prst="flowChartConnector">
+                <a:avLst/>
+              </a:prstGeom>
+              <a:blipFill>
+                <a:blip r:embed="rId4"/>
+                <a:stretch>
+                  <a:fillRect/>
+                </a:stretch>
+              </a:blipFill>
+              <a:ln>
+                <a:solidFill>
+                  <a:schemeClr val="tx1"/>
+                </a:solidFill>
+              </a:ln>
+            </p:spPr>
+            <p:txBody>
+              <a:bodyPr/>
+              <a:lstStyle/>
+              <a:p>
+                <a:r>
+                  <a:rPr lang="ja-JP" altLang="en-US">
+                    <a:noFill/>
+                  </a:rPr>
+                  <a:t> </a:t>
+                </a:r>
+              </a:p>
+            </p:txBody>
+          </p:sp>
+        </mc:Fallback>
+      </mc:AlternateContent>
+      <p:cxnSp>
+        <p:nvCxnSpPr>
+          <p:cNvPr id="4" name="直線コネクタ 3">
+            <a:extLst>
+              <a:ext uri="{FF2B5EF4-FFF2-40B4-BE49-F238E27FC236}">
+                <a16:creationId xmlns:a16="http://schemas.microsoft.com/office/drawing/2014/main" id="{8BBD35CC-0706-992C-5B2E-FD7AC59D861B}"/>
+              </a:ext>
+            </a:extLst>
+          </p:cNvPr>
+          <p:cNvCxnSpPr>
+            <a:stCxn id="2" idx="0"/>
+          </p:cNvCxnSpPr>
+          <p:nvPr/>
+        </p:nvCxnSpPr>
+        <p:spPr>
+          <a:xfrm flipV="1">
+            <a:off x="958467" y="4209351"/>
+            <a:ext cx="0" cy="353895"/>
+          </a:xfrm>
+          <a:prstGeom prst="line">
+            <a:avLst/>
+          </a:prstGeom>
+        </p:spPr>
+        <p:style>
+          <a:lnRef idx="2">
+            <a:schemeClr val="dk1"/>
+          </a:lnRef>
+          <a:fillRef idx="0">
+            <a:schemeClr val="dk1"/>
+          </a:fillRef>
+          <a:effectRef idx="1">
+            <a:schemeClr val="dk1"/>
+          </a:effectRef>
+          <a:fontRef idx="minor">
+            <a:schemeClr val="tx1"/>
+          </a:fontRef>
+        </p:style>
+      </p:cxnSp>
+      <mc:AlternateContent xmlns:mc="http://schemas.openxmlformats.org/markup-compatibility/2006" xmlns:a14="http://schemas.microsoft.com/office/drawing/2010/main">
+        <mc:Choice Requires="a14">
+          <p:sp>
+            <p:nvSpPr>
+              <p:cNvPr id="8" name="フローチャート: 結合子 7">
+                <a:extLst>
+                  <a:ext uri="{FF2B5EF4-FFF2-40B4-BE49-F238E27FC236}">
+                    <a16:creationId xmlns:a16="http://schemas.microsoft.com/office/drawing/2014/main" id="{2386CFFB-DE90-C979-3555-99AA5B6D385A}"/>
+                  </a:ext>
+                </a:extLst>
+              </p:cNvPr>
+              <p:cNvSpPr/>
+              <p:nvPr/>
+            </p:nvSpPr>
+            <p:spPr>
+              <a:xfrm>
+                <a:off x="3543556" y="4563246"/>
+                <a:ext cx="796679" cy="791266"/>
+              </a:xfrm>
+              <a:prstGeom prst="flowChartConnector">
+                <a:avLst/>
+              </a:prstGeom>
+              <a:noFill/>
+              <a:ln>
+                <a:solidFill>
+                  <a:schemeClr val="tx1"/>
+                </a:solidFill>
+              </a:ln>
+            </p:spPr>
+            <p:style>
+              <a:lnRef idx="2">
+                <a:schemeClr val="accent1">
+                  <a:shade val="15000"/>
+                </a:schemeClr>
+              </a:lnRef>
+              <a:fillRef idx="1">
+                <a:schemeClr val="accent1"/>
+              </a:fillRef>
+              <a:effectRef idx="0">
+                <a:schemeClr val="accent1"/>
+              </a:effectRef>
+              <a:fontRef idx="minor">
+                <a:schemeClr val="lt1"/>
+              </a:fontRef>
+            </p:style>
+            <p:txBody>
+              <a:bodyPr rtlCol="0" anchor="ctr"/>
+              <a:lstStyle/>
+              <a:p>
+                <a:pPr algn="ctr"/>
+                <a14:m>
+                  <m:oMathPara xmlns:m="http://schemas.openxmlformats.org/officeDocument/2006/math">
+                    <m:oMathParaPr>
+                      <m:jc m:val="center"/>
+                    </m:oMathParaPr>
+                    <m:oMath xmlns:m="http://schemas.openxmlformats.org/officeDocument/2006/math">
+                      <m:sSub>
+                        <m:sSubPr>
+                          <m:ctrlPr>
+                            <a:rPr lang="en-US" altLang="ja-JP" i="1" dirty="0" smtClean="0">
+                              <a:solidFill>
+                                <a:schemeClr val="tx1"/>
+                              </a:solidFill>
+                              <a:latin typeface="Cambria Math" panose="02040503050406030204" pitchFamily="18" charset="0"/>
+                            </a:rPr>
+                          </m:ctrlPr>
+                        </m:sSubPr>
+                        <m:e>
+                          <m:r>
+                            <a:rPr lang="en-US" altLang="ja-JP" i="1" dirty="0" smtClean="0">
+                              <a:solidFill>
+                                <a:schemeClr val="tx1"/>
+                              </a:solidFill>
+                              <a:latin typeface="Cambria Math" panose="02040503050406030204" pitchFamily="18" charset="0"/>
+                            </a:rPr>
+                            <m:t>𝑃</m:t>
+                          </m:r>
+                        </m:e>
+                        <m:sub>
+                          <m:r>
+                            <a:rPr lang="en-US" altLang="ja-JP" b="0" i="1" dirty="0" smtClean="0">
+                              <a:solidFill>
+                                <a:schemeClr val="tx1"/>
+                              </a:solidFill>
+                              <a:latin typeface="Cambria Math" panose="02040503050406030204" pitchFamily="18" charset="0"/>
+                            </a:rPr>
+                            <m:t>2</m:t>
+                          </m:r>
+                        </m:sub>
+                      </m:sSub>
+                    </m:oMath>
+                  </m:oMathPara>
+                </a14:m>
+                <a:endParaRPr kumimoji="1" lang="ja-JP" altLang="en-US" dirty="0"/>
+              </a:p>
+            </p:txBody>
+          </p:sp>
+        </mc:Choice>
+        <mc:Fallback xmlns="">
+          <p:sp>
+            <p:nvSpPr>
+              <p:cNvPr id="8" name="フローチャート: 結合子 7">
+                <a:extLst>
+                  <a:ext uri="{FF2B5EF4-FFF2-40B4-BE49-F238E27FC236}">
+                    <a16:creationId xmlns:a16="http://schemas.microsoft.com/office/drawing/2014/main" id="{556FD70E-9DB9-B3AE-AB1F-D9234807E6EA}"/>
+                  </a:ext>
+                </a:extLst>
+              </p:cNvPr>
+              <p:cNvSpPr>
+                <a:spLocks noRot="1" noChangeAspect="1" noMove="1" noResize="1" noEditPoints="1" noAdjustHandles="1" noChangeArrowheads="1" noChangeShapeType="1" noTextEdit="1"/>
+              </p:cNvSpPr>
+              <p:nvPr/>
+            </p:nvSpPr>
+            <p:spPr>
+              <a:xfrm>
+                <a:off x="3543556" y="4563246"/>
+                <a:ext cx="796679" cy="791266"/>
+              </a:xfrm>
+              <a:prstGeom prst="flowChartConnector">
+                <a:avLst/>
+              </a:prstGeom>
+              <a:blipFill>
+                <a:blip r:embed="rId5"/>
+                <a:stretch>
+                  <a:fillRect/>
+                </a:stretch>
+              </a:blipFill>
+              <a:ln>
+                <a:solidFill>
+                  <a:schemeClr val="tx1"/>
+                </a:solidFill>
+              </a:ln>
+            </p:spPr>
+            <p:txBody>
+              <a:bodyPr/>
+              <a:lstStyle/>
+              <a:p>
+                <a:r>
+                  <a:rPr lang="ja-JP" altLang="en-US">
+                    <a:noFill/>
+                  </a:rPr>
+                  <a:t> </a:t>
+                </a:r>
+              </a:p>
+            </p:txBody>
+          </p:sp>
+        </mc:Fallback>
+      </mc:AlternateContent>
+      <p:cxnSp>
+        <p:nvCxnSpPr>
+          <p:cNvPr id="10" name="直線コネクタ 9">
+            <a:extLst>
+              <a:ext uri="{FF2B5EF4-FFF2-40B4-BE49-F238E27FC236}">
+                <a16:creationId xmlns:a16="http://schemas.microsoft.com/office/drawing/2014/main" id="{B40194B9-FFAA-C39A-46BD-839D7A671E56}"/>
+              </a:ext>
+            </a:extLst>
+          </p:cNvPr>
+          <p:cNvCxnSpPr>
+            <a:stCxn id="8" idx="0"/>
+          </p:cNvCxnSpPr>
+          <p:nvPr/>
+        </p:nvCxnSpPr>
+        <p:spPr>
+          <a:xfrm flipV="1">
+            <a:off x="3941896" y="4209351"/>
+            <a:ext cx="0" cy="353895"/>
+          </a:xfrm>
+          <a:prstGeom prst="line">
+            <a:avLst/>
+          </a:prstGeom>
+        </p:spPr>
+        <p:style>
+          <a:lnRef idx="2">
+            <a:schemeClr val="dk1"/>
+          </a:lnRef>
+          <a:fillRef idx="0">
+            <a:schemeClr val="dk1"/>
+          </a:fillRef>
+          <a:effectRef idx="1">
+            <a:schemeClr val="dk1"/>
+          </a:effectRef>
+          <a:fontRef idx="minor">
+            <a:schemeClr val="tx1"/>
+          </a:fontRef>
+        </p:style>
+      </p:cxnSp>
+      <mc:AlternateContent xmlns:mc="http://schemas.openxmlformats.org/markup-compatibility/2006" xmlns:a14="http://schemas.microsoft.com/office/drawing/2010/main">
+        <mc:Choice Requires="a14">
+          <p:sp>
+            <p:nvSpPr>
+              <p:cNvPr id="15" name="フローチャート: 結合子 14">
+                <a:extLst>
+                  <a:ext uri="{FF2B5EF4-FFF2-40B4-BE49-F238E27FC236}">
+                    <a16:creationId xmlns:a16="http://schemas.microsoft.com/office/drawing/2014/main" id="{5C46CC7B-6C81-1B6E-DBF5-6C765F432650}"/>
+                  </a:ext>
+                </a:extLst>
+              </p:cNvPr>
+              <p:cNvSpPr/>
+              <p:nvPr/>
+            </p:nvSpPr>
+            <p:spPr>
+              <a:xfrm>
+                <a:off x="1405626" y="4185192"/>
+                <a:ext cx="796679" cy="791266"/>
+              </a:xfrm>
+              <a:prstGeom prst="flowChartConnector">
+                <a:avLst/>
+              </a:prstGeom>
+              <a:noFill/>
+              <a:ln>
+                <a:solidFill>
+                  <a:schemeClr val="tx1"/>
+                </a:solidFill>
+              </a:ln>
+            </p:spPr>
+            <p:style>
+              <a:lnRef idx="2">
+                <a:schemeClr val="accent1">
+                  <a:shade val="15000"/>
+                </a:schemeClr>
+              </a:lnRef>
+              <a:fillRef idx="1">
+                <a:schemeClr val="accent1"/>
+              </a:fillRef>
+              <a:effectRef idx="0">
+                <a:schemeClr val="accent1"/>
+              </a:effectRef>
+              <a:fontRef idx="minor">
+                <a:schemeClr val="lt1"/>
+              </a:fontRef>
+            </p:style>
+            <p:txBody>
+              <a:bodyPr rtlCol="0" anchor="ctr"/>
+              <a:lstStyle/>
+              <a:p>
+                <a:pPr algn="ctr"/>
+                <a14:m>
+                  <m:oMathPara xmlns:m="http://schemas.openxmlformats.org/officeDocument/2006/math">
+                    <m:oMathParaPr>
+                      <m:jc m:val="center"/>
+                    </m:oMathParaPr>
+                    <m:oMath xmlns:m="http://schemas.openxmlformats.org/officeDocument/2006/math">
+                      <m:r>
+                        <a:rPr lang="en-US" altLang="ja-JP" b="0" i="1" dirty="0" smtClean="0">
+                          <a:solidFill>
+                            <a:schemeClr val="tx1"/>
+                          </a:solidFill>
+                          <a:latin typeface="Cambria Math" panose="02040503050406030204" pitchFamily="18" charset="0"/>
+                        </a:rPr>
+                        <m:t>𝑁</m:t>
+                      </m:r>
+                    </m:oMath>
+                  </m:oMathPara>
+                </a14:m>
+                <a:endParaRPr kumimoji="1" lang="ja-JP" altLang="en-US" dirty="0"/>
+              </a:p>
+            </p:txBody>
+          </p:sp>
+        </mc:Choice>
+        <mc:Fallback xmlns="">
+          <p:sp>
+            <p:nvSpPr>
+              <p:cNvPr id="15" name="フローチャート: 結合子 14">
+                <a:extLst>
+                  <a:ext uri="{FF2B5EF4-FFF2-40B4-BE49-F238E27FC236}">
+                    <a16:creationId xmlns:a16="http://schemas.microsoft.com/office/drawing/2014/main" id="{B8560F68-5F50-CFEE-C908-3E8D5790A740}"/>
+                  </a:ext>
+                </a:extLst>
+              </p:cNvPr>
+              <p:cNvSpPr>
+                <a:spLocks noRot="1" noChangeAspect="1" noMove="1" noResize="1" noEditPoints="1" noAdjustHandles="1" noChangeArrowheads="1" noChangeShapeType="1" noTextEdit="1"/>
+              </p:cNvSpPr>
+              <p:nvPr/>
+            </p:nvSpPr>
+            <p:spPr>
+              <a:xfrm>
+                <a:off x="1405626" y="4185192"/>
+                <a:ext cx="796679" cy="791266"/>
+              </a:xfrm>
+              <a:prstGeom prst="flowChartConnector">
+                <a:avLst/>
+              </a:prstGeom>
+              <a:blipFill>
+                <a:blip r:embed="rId6"/>
+                <a:stretch>
+                  <a:fillRect/>
+                </a:stretch>
+              </a:blipFill>
+              <a:ln>
+                <a:solidFill>
+                  <a:schemeClr val="tx1"/>
+                </a:solidFill>
+              </a:ln>
+            </p:spPr>
+            <p:txBody>
+              <a:bodyPr/>
+              <a:lstStyle/>
+              <a:p>
+                <a:r>
+                  <a:rPr lang="ja-JP" altLang="en-US">
+                    <a:noFill/>
+                  </a:rPr>
+                  <a:t> </a:t>
+                </a:r>
+              </a:p>
+            </p:txBody>
+          </p:sp>
+        </mc:Fallback>
+      </mc:AlternateContent>
+      <p:cxnSp>
+        <p:nvCxnSpPr>
+          <p:cNvPr id="17" name="直線コネクタ 16">
+            <a:extLst>
+              <a:ext uri="{FF2B5EF4-FFF2-40B4-BE49-F238E27FC236}">
+                <a16:creationId xmlns:a16="http://schemas.microsoft.com/office/drawing/2014/main" id="{C8830439-EEE0-CFBC-5DCC-A3D40116D32D}"/>
+              </a:ext>
+            </a:extLst>
+          </p:cNvPr>
+          <p:cNvCxnSpPr>
+            <a:stCxn id="15" idx="0"/>
+          </p:cNvCxnSpPr>
+          <p:nvPr/>
+        </p:nvCxnSpPr>
+        <p:spPr>
+          <a:xfrm flipV="1">
+            <a:off x="1803965" y="3831297"/>
+            <a:ext cx="0" cy="353895"/>
+          </a:xfrm>
+          <a:prstGeom prst="line">
+            <a:avLst/>
+          </a:prstGeom>
+        </p:spPr>
+        <p:style>
+          <a:lnRef idx="2">
+            <a:schemeClr val="dk1"/>
+          </a:lnRef>
+          <a:fillRef idx="0">
+            <a:schemeClr val="dk1"/>
+          </a:fillRef>
+          <a:effectRef idx="1">
+            <a:schemeClr val="dk1"/>
+          </a:effectRef>
+          <a:fontRef idx="minor">
+            <a:schemeClr val="tx1"/>
+          </a:fontRef>
+        </p:style>
+      </p:cxnSp>
+      <mc:AlternateContent xmlns:mc="http://schemas.openxmlformats.org/markup-compatibility/2006" xmlns:a14="http://schemas.microsoft.com/office/drawing/2010/main">
+        <mc:Choice Requires="a14">
+          <p:sp>
+            <p:nvSpPr>
+              <p:cNvPr id="19" name="フローチャート: 結合子 18">
+                <a:extLst>
+                  <a:ext uri="{FF2B5EF4-FFF2-40B4-BE49-F238E27FC236}">
+                    <a16:creationId xmlns:a16="http://schemas.microsoft.com/office/drawing/2014/main" id="{C2E0FD57-FD78-17B7-A274-DE4F92EC674F}"/>
+                  </a:ext>
+                </a:extLst>
+              </p:cNvPr>
+              <p:cNvSpPr/>
+              <p:nvPr/>
+            </p:nvSpPr>
+            <p:spPr>
+              <a:xfrm>
+                <a:off x="2251123" y="4183881"/>
+                <a:ext cx="796679" cy="791266"/>
+              </a:xfrm>
+              <a:prstGeom prst="flowChartConnector">
+                <a:avLst/>
+              </a:prstGeom>
+              <a:noFill/>
+              <a:ln>
+                <a:solidFill>
+                  <a:schemeClr val="tx1"/>
+                </a:solidFill>
+              </a:ln>
+            </p:spPr>
+            <p:style>
+              <a:lnRef idx="2">
+                <a:schemeClr val="accent1">
+                  <a:shade val="15000"/>
+                </a:schemeClr>
+              </a:lnRef>
+              <a:fillRef idx="1">
+                <a:schemeClr val="accent1"/>
+              </a:fillRef>
+              <a:effectRef idx="0">
+                <a:schemeClr val="accent1"/>
+              </a:effectRef>
+              <a:fontRef idx="minor">
+                <a:schemeClr val="lt1"/>
+              </a:fontRef>
+            </p:style>
+            <p:txBody>
+              <a:bodyPr rtlCol="0" anchor="ctr"/>
+              <a:lstStyle/>
+              <a:p>
+                <a:pPr algn="ctr"/>
+                <a14:m>
+                  <m:oMathPara xmlns:m="http://schemas.openxmlformats.org/officeDocument/2006/math">
+                    <m:oMathParaPr>
+                      <m:jc m:val="center"/>
+                    </m:oMathParaPr>
+                    <m:oMath xmlns:m="http://schemas.openxmlformats.org/officeDocument/2006/math">
+                      <m:r>
+                        <a:rPr kumimoji="1" lang="en-US" altLang="ja-JP" b="0" i="1" smtClean="0">
+                          <a:solidFill>
+                            <a:schemeClr val="tx1"/>
+                          </a:solidFill>
+                          <a:latin typeface="Cambria Math" panose="02040503050406030204" pitchFamily="18" charset="0"/>
+                        </a:rPr>
+                        <m:t>𝑇</m:t>
+                      </m:r>
+                    </m:oMath>
+                  </m:oMathPara>
+                </a14:m>
+                <a:endParaRPr kumimoji="1" lang="ja-JP" altLang="en-US" dirty="0">
+                  <a:solidFill>
+                    <a:schemeClr val="tx1"/>
+                  </a:solidFill>
+                </a:endParaRPr>
+              </a:p>
+            </p:txBody>
+          </p:sp>
+        </mc:Choice>
+        <mc:Fallback xmlns="">
+          <p:sp>
+            <p:nvSpPr>
+              <p:cNvPr id="19" name="フローチャート: 結合子 18">
+                <a:extLst>
+                  <a:ext uri="{FF2B5EF4-FFF2-40B4-BE49-F238E27FC236}">
+                    <a16:creationId xmlns:a16="http://schemas.microsoft.com/office/drawing/2014/main" id="{C9B9904E-9B28-9344-CCA6-C72C788A02F0}"/>
+                  </a:ext>
+                </a:extLst>
+              </p:cNvPr>
+              <p:cNvSpPr>
+                <a:spLocks noRot="1" noChangeAspect="1" noMove="1" noResize="1" noEditPoints="1" noAdjustHandles="1" noChangeArrowheads="1" noChangeShapeType="1" noTextEdit="1"/>
+              </p:cNvSpPr>
+              <p:nvPr/>
+            </p:nvSpPr>
+            <p:spPr>
+              <a:xfrm>
+                <a:off x="2251123" y="4183881"/>
+                <a:ext cx="796679" cy="791266"/>
+              </a:xfrm>
+              <a:prstGeom prst="flowChartConnector">
+                <a:avLst/>
+              </a:prstGeom>
+              <a:blipFill>
+                <a:blip r:embed="rId7"/>
+                <a:stretch>
+                  <a:fillRect/>
+                </a:stretch>
+              </a:blipFill>
+              <a:ln>
+                <a:solidFill>
+                  <a:schemeClr val="tx1"/>
+                </a:solidFill>
+              </a:ln>
+            </p:spPr>
+            <p:txBody>
+              <a:bodyPr/>
+              <a:lstStyle/>
+              <a:p>
+                <a:r>
+                  <a:rPr lang="ja-JP" altLang="en-US">
+                    <a:noFill/>
+                  </a:rPr>
+                  <a:t> </a:t>
+                </a:r>
+              </a:p>
+            </p:txBody>
+          </p:sp>
+        </mc:Fallback>
+      </mc:AlternateContent>
+      <p:cxnSp>
+        <p:nvCxnSpPr>
+          <p:cNvPr id="20" name="直線コネクタ 19">
+            <a:extLst>
+              <a:ext uri="{FF2B5EF4-FFF2-40B4-BE49-F238E27FC236}">
+                <a16:creationId xmlns:a16="http://schemas.microsoft.com/office/drawing/2014/main" id="{48EC7760-ECD6-5403-62C3-DE1CAC0A9F1E}"/>
+              </a:ext>
+            </a:extLst>
+          </p:cNvPr>
+          <p:cNvCxnSpPr>
+            <a:stCxn id="19" idx="0"/>
+          </p:cNvCxnSpPr>
+          <p:nvPr/>
+        </p:nvCxnSpPr>
+        <p:spPr>
+          <a:xfrm flipV="1">
+            <a:off x="2649463" y="3829986"/>
+            <a:ext cx="0" cy="353895"/>
+          </a:xfrm>
+          <a:prstGeom prst="line">
+            <a:avLst/>
+          </a:prstGeom>
+        </p:spPr>
+        <p:style>
+          <a:lnRef idx="2">
+            <a:schemeClr val="dk1"/>
+          </a:lnRef>
+          <a:fillRef idx="0">
+            <a:schemeClr val="dk1"/>
+          </a:fillRef>
+          <a:effectRef idx="1">
+            <a:schemeClr val="dk1"/>
+          </a:effectRef>
+          <a:fontRef idx="minor">
+            <a:schemeClr val="tx1"/>
+          </a:fontRef>
+        </p:style>
+      </p:cxnSp>
+      <p:sp>
+        <p:nvSpPr>
+          <p:cNvPr id="26" name="楕円 25">
+            <a:extLst>
+              <a:ext uri="{FF2B5EF4-FFF2-40B4-BE49-F238E27FC236}">
+                <a16:creationId xmlns:a16="http://schemas.microsoft.com/office/drawing/2014/main" id="{F71CFD45-84C4-390D-6F85-7DE95EEEEFA4}"/>
+              </a:ext>
+            </a:extLst>
+          </p:cNvPr>
+          <p:cNvSpPr/>
+          <p:nvPr/>
+        </p:nvSpPr>
+        <p:spPr>
+          <a:xfrm>
+            <a:off x="7022153" y="3390267"/>
+            <a:ext cx="434990" cy="816680"/>
+          </a:xfrm>
+          <a:prstGeom prst="ellipse">
+            <a:avLst/>
+          </a:prstGeom>
+          <a:noFill/>
+          <a:ln>
+            <a:solidFill>
+              <a:schemeClr val="tx1"/>
+            </a:solidFill>
+          </a:ln>
+        </p:spPr>
+        <p:style>
+          <a:lnRef idx="2">
+            <a:schemeClr val="accent1">
+              <a:shade val="15000"/>
+            </a:schemeClr>
+          </a:lnRef>
+          <a:fillRef idx="1">
+            <a:schemeClr val="accent1"/>
+          </a:fillRef>
+          <a:effectRef idx="0">
+            <a:schemeClr val="accent1"/>
+          </a:effectRef>
+          <a:fontRef idx="minor">
+            <a:schemeClr val="lt1"/>
+          </a:fontRef>
+        </p:style>
+        <p:txBody>
+          <a:bodyPr rtlCol="0" anchor="ctr"/>
+          <a:lstStyle/>
+          <a:p>
+            <a:pPr algn="ctr"/>
+            <a:endParaRPr kumimoji="1" lang="ja-JP" altLang="en-US"/>
+          </a:p>
+        </p:txBody>
+      </p:sp>
+      <p:sp>
+        <p:nvSpPr>
+          <p:cNvPr id="30" name="楕円 29">
+            <a:extLst>
+              <a:ext uri="{FF2B5EF4-FFF2-40B4-BE49-F238E27FC236}">
+                <a16:creationId xmlns:a16="http://schemas.microsoft.com/office/drawing/2014/main" id="{01C841EA-8393-9302-2F0F-070D00F5BF6F}"/>
+              </a:ext>
+            </a:extLst>
+          </p:cNvPr>
+          <p:cNvSpPr/>
+          <p:nvPr/>
+        </p:nvSpPr>
+        <p:spPr>
+          <a:xfrm>
+            <a:off x="7168568" y="3646200"/>
+            <a:ext cx="149198" cy="319672"/>
+          </a:xfrm>
+          <a:prstGeom prst="ellipse">
+            <a:avLst/>
+          </a:prstGeom>
+          <a:noFill/>
+          <a:ln>
+            <a:solidFill>
+              <a:schemeClr val="tx1"/>
+            </a:solidFill>
+          </a:ln>
+        </p:spPr>
+        <p:style>
+          <a:lnRef idx="2">
+            <a:schemeClr val="accent1">
+              <a:shade val="15000"/>
+            </a:schemeClr>
+          </a:lnRef>
+          <a:fillRef idx="1">
+            <a:schemeClr val="accent1"/>
+          </a:fillRef>
+          <a:effectRef idx="0">
+            <a:schemeClr val="accent1"/>
+          </a:effectRef>
+          <a:fontRef idx="minor">
+            <a:schemeClr val="lt1"/>
+          </a:fontRef>
+        </p:style>
+        <p:txBody>
+          <a:bodyPr rtlCol="0" anchor="ctr"/>
+          <a:lstStyle/>
+          <a:p>
+            <a:pPr algn="ctr"/>
+            <a:endParaRPr kumimoji="1" lang="ja-JP" altLang="en-US"/>
+          </a:p>
+        </p:txBody>
+      </p:sp>
+      <mc:AlternateContent xmlns:mc="http://schemas.openxmlformats.org/markup-compatibility/2006" xmlns:a14="http://schemas.microsoft.com/office/drawing/2010/main">
+        <mc:Choice Requires="a14">
+          <p:sp>
+            <p:nvSpPr>
+              <p:cNvPr id="31" name="フローチャート: 結合子 30">
+                <a:extLst>
+                  <a:ext uri="{FF2B5EF4-FFF2-40B4-BE49-F238E27FC236}">
+                    <a16:creationId xmlns:a16="http://schemas.microsoft.com/office/drawing/2014/main" id="{DFA41E76-DE6F-2D8B-F056-66A45F8DAF97}"/>
+                  </a:ext>
+                </a:extLst>
+              </p:cNvPr>
+              <p:cNvSpPr/>
+              <p:nvPr/>
+            </p:nvSpPr>
+            <p:spPr>
+              <a:xfrm>
+                <a:off x="5941114" y="4563245"/>
+                <a:ext cx="796679" cy="791266"/>
+              </a:xfrm>
+              <a:prstGeom prst="flowChartConnector">
+                <a:avLst/>
+              </a:prstGeom>
+              <a:noFill/>
+              <a:ln>
+                <a:solidFill>
+                  <a:schemeClr val="tx1"/>
+                </a:solidFill>
+              </a:ln>
+            </p:spPr>
+            <p:style>
+              <a:lnRef idx="2">
+                <a:schemeClr val="accent1">
+                  <a:shade val="15000"/>
+                </a:schemeClr>
+              </a:lnRef>
+              <a:fillRef idx="1">
+                <a:schemeClr val="accent1"/>
+              </a:fillRef>
+              <a:effectRef idx="0">
+                <a:schemeClr val="accent1"/>
+              </a:effectRef>
+              <a:fontRef idx="minor">
+                <a:schemeClr val="lt1"/>
+              </a:fontRef>
+            </p:style>
+            <p:txBody>
+              <a:bodyPr rtlCol="0" anchor="ctr"/>
+              <a:lstStyle/>
+              <a:p>
+                <a:pPr algn="ctr"/>
+                <a14:m>
+                  <m:oMathPara xmlns:m="http://schemas.openxmlformats.org/officeDocument/2006/math">
+                    <m:oMathParaPr>
+                      <m:jc m:val="centerGroup"/>
+                    </m:oMathParaPr>
+                    <m:oMath xmlns:m="http://schemas.openxmlformats.org/officeDocument/2006/math">
+                      <m:sSub>
+                        <m:sSubPr>
+                          <m:ctrlPr>
+                            <a:rPr lang="en-US" altLang="ja-JP" i="1" dirty="0" smtClean="0">
+                              <a:solidFill>
+                                <a:schemeClr val="tx1"/>
+                              </a:solidFill>
+                              <a:latin typeface="Cambria Math" panose="02040503050406030204" pitchFamily="18" charset="0"/>
+                            </a:rPr>
+                          </m:ctrlPr>
+                        </m:sSubPr>
+                        <m:e>
+                          <m:r>
+                            <a:rPr lang="en-US" altLang="ja-JP" i="1" dirty="0" smtClean="0">
+                              <a:solidFill>
+                                <a:schemeClr val="tx1"/>
+                              </a:solidFill>
+                              <a:latin typeface="Cambria Math" panose="02040503050406030204" pitchFamily="18" charset="0"/>
+                            </a:rPr>
+                            <m:t>𝑃</m:t>
+                          </m:r>
+                        </m:e>
+                        <m:sub>
+                          <m:r>
+                            <a:rPr lang="en-US" altLang="ja-JP" b="0" i="1" dirty="0" smtClean="0">
+                              <a:solidFill>
+                                <a:schemeClr val="tx1"/>
+                              </a:solidFill>
+                              <a:latin typeface="Cambria Math" panose="02040503050406030204" pitchFamily="18" charset="0"/>
+                            </a:rPr>
+                            <m:t>3</m:t>
+                          </m:r>
+                        </m:sub>
+                      </m:sSub>
+                    </m:oMath>
+                  </m:oMathPara>
+                </a14:m>
+                <a:endParaRPr kumimoji="1" lang="ja-JP" altLang="en-US" dirty="0"/>
+              </a:p>
+            </p:txBody>
+          </p:sp>
+        </mc:Choice>
+        <mc:Fallback xmlns="">
+          <p:sp>
+            <p:nvSpPr>
+              <p:cNvPr id="31" name="フローチャート: 結合子 30">
+                <a:extLst>
+                  <a:ext uri="{FF2B5EF4-FFF2-40B4-BE49-F238E27FC236}">
+                    <a16:creationId xmlns:a16="http://schemas.microsoft.com/office/drawing/2014/main" id="{361F4FAE-71F0-EE38-1E60-434344BDDF6C}"/>
+                  </a:ext>
+                </a:extLst>
+              </p:cNvPr>
+              <p:cNvSpPr>
+                <a:spLocks noRot="1" noChangeAspect="1" noMove="1" noResize="1" noEditPoints="1" noAdjustHandles="1" noChangeArrowheads="1" noChangeShapeType="1" noTextEdit="1"/>
+              </p:cNvSpPr>
+              <p:nvPr/>
+            </p:nvSpPr>
+            <p:spPr>
+              <a:xfrm>
+                <a:off x="5941114" y="4563245"/>
+                <a:ext cx="796679" cy="791266"/>
+              </a:xfrm>
+              <a:prstGeom prst="flowChartConnector">
+                <a:avLst/>
+              </a:prstGeom>
+              <a:blipFill>
+                <a:blip r:embed="rId8"/>
+                <a:stretch>
+                  <a:fillRect/>
+                </a:stretch>
+              </a:blipFill>
+              <a:ln>
+                <a:solidFill>
+                  <a:schemeClr val="tx1"/>
+                </a:solidFill>
+              </a:ln>
+            </p:spPr>
+            <p:txBody>
+              <a:bodyPr/>
+              <a:lstStyle/>
+              <a:p>
+                <a:r>
+                  <a:rPr lang="ja-JP" altLang="en-US">
+                    <a:noFill/>
+                  </a:rPr>
+                  <a:t> </a:t>
+                </a:r>
+              </a:p>
+            </p:txBody>
+          </p:sp>
+        </mc:Fallback>
+      </mc:AlternateContent>
+      <p:cxnSp>
+        <p:nvCxnSpPr>
+          <p:cNvPr id="35" name="直線コネクタ 34">
+            <a:extLst>
+              <a:ext uri="{FF2B5EF4-FFF2-40B4-BE49-F238E27FC236}">
+                <a16:creationId xmlns:a16="http://schemas.microsoft.com/office/drawing/2014/main" id="{9D0849A4-8723-5222-BCA7-EBFF56B40194}"/>
+              </a:ext>
+            </a:extLst>
+          </p:cNvPr>
+          <p:cNvCxnSpPr>
+            <a:stCxn id="31" idx="0"/>
+          </p:cNvCxnSpPr>
+          <p:nvPr/>
+        </p:nvCxnSpPr>
+        <p:spPr>
+          <a:xfrm flipV="1">
+            <a:off x="6339454" y="4209350"/>
+            <a:ext cx="0" cy="353895"/>
+          </a:xfrm>
+          <a:prstGeom prst="line">
+            <a:avLst/>
+          </a:prstGeom>
+        </p:spPr>
+        <p:style>
+          <a:lnRef idx="2">
+            <a:schemeClr val="dk1"/>
+          </a:lnRef>
+          <a:fillRef idx="0">
+            <a:schemeClr val="dk1"/>
+          </a:fillRef>
+          <a:effectRef idx="1">
+            <a:schemeClr val="dk1"/>
+          </a:effectRef>
+          <a:fontRef idx="minor">
+            <a:schemeClr val="tx1"/>
+          </a:fontRef>
+        </p:style>
+      </p:cxnSp>
+      <mc:AlternateContent xmlns:mc="http://schemas.openxmlformats.org/markup-compatibility/2006" xmlns:a14="http://schemas.microsoft.com/office/drawing/2010/main">
+        <mc:Choice Requires="a14">
+          <p:sp>
+            <p:nvSpPr>
+              <p:cNvPr id="36" name="フローチャート: 結合子 35">
+                <a:extLst>
+                  <a:ext uri="{FF2B5EF4-FFF2-40B4-BE49-F238E27FC236}">
+                    <a16:creationId xmlns:a16="http://schemas.microsoft.com/office/drawing/2014/main" id="{D17A3E6C-D999-4020-1F02-7DC57F6B005E}"/>
+                  </a:ext>
+                </a:extLst>
+              </p:cNvPr>
+              <p:cNvSpPr/>
+              <p:nvPr/>
+            </p:nvSpPr>
+            <p:spPr>
+              <a:xfrm>
+                <a:off x="7484764" y="4560844"/>
+                <a:ext cx="796679" cy="791266"/>
+              </a:xfrm>
+              <a:prstGeom prst="flowChartConnector">
+                <a:avLst/>
+              </a:prstGeom>
+              <a:noFill/>
+              <a:ln>
+                <a:solidFill>
+                  <a:schemeClr val="tx1"/>
+                </a:solidFill>
+              </a:ln>
+            </p:spPr>
+            <p:style>
+              <a:lnRef idx="2">
+                <a:schemeClr val="accent1">
+                  <a:shade val="15000"/>
+                </a:schemeClr>
+              </a:lnRef>
+              <a:fillRef idx="1">
+                <a:schemeClr val="accent1"/>
+              </a:fillRef>
+              <a:effectRef idx="0">
+                <a:schemeClr val="accent1"/>
+              </a:effectRef>
+              <a:fontRef idx="minor">
+                <a:schemeClr val="lt1"/>
+              </a:fontRef>
+            </p:style>
+            <p:txBody>
+              <a:bodyPr rtlCol="0" anchor="ctr"/>
+              <a:lstStyle/>
+              <a:p>
+                <a:pPr algn="ctr"/>
+                <a14:m>
+                  <m:oMathPara xmlns:m="http://schemas.openxmlformats.org/officeDocument/2006/math">
+                    <m:oMathParaPr>
+                      <m:jc m:val="center"/>
+                    </m:oMathParaPr>
+                    <m:oMath xmlns:m="http://schemas.openxmlformats.org/officeDocument/2006/math">
+                      <m:sSub>
+                        <m:sSubPr>
+                          <m:ctrlPr>
+                            <a:rPr lang="en-US" altLang="ja-JP" i="1" dirty="0" smtClean="0">
+                              <a:solidFill>
+                                <a:schemeClr val="tx1"/>
+                              </a:solidFill>
+                              <a:latin typeface="Cambria Math" panose="02040503050406030204" pitchFamily="18" charset="0"/>
+                            </a:rPr>
+                          </m:ctrlPr>
+                        </m:sSubPr>
+                        <m:e>
+                          <m:r>
+                            <a:rPr lang="en-US" altLang="ja-JP" i="1" dirty="0" smtClean="0">
+                              <a:solidFill>
+                                <a:schemeClr val="tx1"/>
+                              </a:solidFill>
+                              <a:latin typeface="Cambria Math" panose="02040503050406030204" pitchFamily="18" charset="0"/>
+                            </a:rPr>
+                            <m:t>𝑃</m:t>
+                          </m:r>
+                        </m:e>
+                        <m:sub>
+                          <m:r>
+                            <a:rPr lang="en-US" altLang="ja-JP" b="0" i="1" dirty="0" smtClean="0">
+                              <a:solidFill>
+                                <a:schemeClr val="tx1"/>
+                              </a:solidFill>
+                              <a:latin typeface="Cambria Math" panose="02040503050406030204" pitchFamily="18" charset="0"/>
+                            </a:rPr>
+                            <m:t>4</m:t>
+                          </m:r>
+                        </m:sub>
+                      </m:sSub>
+                    </m:oMath>
+                  </m:oMathPara>
+                </a14:m>
+                <a:endParaRPr kumimoji="1" lang="ja-JP" altLang="en-US" dirty="0"/>
+              </a:p>
+            </p:txBody>
+          </p:sp>
+        </mc:Choice>
+        <mc:Fallback xmlns="">
+          <p:sp>
+            <p:nvSpPr>
+              <p:cNvPr id="36" name="フローチャート: 結合子 35">
+                <a:extLst>
+                  <a:ext uri="{FF2B5EF4-FFF2-40B4-BE49-F238E27FC236}">
+                    <a16:creationId xmlns:a16="http://schemas.microsoft.com/office/drawing/2014/main" id="{A6A21D20-930A-82FE-4135-6C409A784920}"/>
+                  </a:ext>
+                </a:extLst>
+              </p:cNvPr>
+              <p:cNvSpPr>
+                <a:spLocks noRot="1" noChangeAspect="1" noMove="1" noResize="1" noEditPoints="1" noAdjustHandles="1" noChangeArrowheads="1" noChangeShapeType="1" noTextEdit="1"/>
+              </p:cNvSpPr>
+              <p:nvPr/>
+            </p:nvSpPr>
+            <p:spPr>
+              <a:xfrm>
+                <a:off x="7484764" y="4560844"/>
+                <a:ext cx="796679" cy="791266"/>
+              </a:xfrm>
+              <a:prstGeom prst="flowChartConnector">
+                <a:avLst/>
+              </a:prstGeom>
+              <a:blipFill>
+                <a:blip r:embed="rId9"/>
+                <a:stretch>
+                  <a:fillRect/>
+                </a:stretch>
+              </a:blipFill>
+              <a:ln>
+                <a:solidFill>
+                  <a:schemeClr val="tx1"/>
+                </a:solidFill>
+              </a:ln>
+            </p:spPr>
+            <p:txBody>
+              <a:bodyPr/>
+              <a:lstStyle/>
+              <a:p>
+                <a:r>
+                  <a:rPr lang="ja-JP" altLang="en-US">
+                    <a:noFill/>
+                  </a:rPr>
+                  <a:t> </a:t>
+                </a:r>
+              </a:p>
+            </p:txBody>
+          </p:sp>
+        </mc:Fallback>
+      </mc:AlternateContent>
+      <p:cxnSp>
+        <p:nvCxnSpPr>
+          <p:cNvPr id="37" name="直線コネクタ 36">
+            <a:extLst>
+              <a:ext uri="{FF2B5EF4-FFF2-40B4-BE49-F238E27FC236}">
+                <a16:creationId xmlns:a16="http://schemas.microsoft.com/office/drawing/2014/main" id="{3331A9BC-31FE-4F77-AA77-074A0091AA08}"/>
+              </a:ext>
+            </a:extLst>
+          </p:cNvPr>
+          <p:cNvCxnSpPr>
+            <a:stCxn id="36" idx="0"/>
+          </p:cNvCxnSpPr>
+          <p:nvPr/>
+        </p:nvCxnSpPr>
+        <p:spPr>
+          <a:xfrm flipV="1">
+            <a:off x="7883104" y="4206949"/>
+            <a:ext cx="0" cy="353895"/>
+          </a:xfrm>
+          <a:prstGeom prst="line">
+            <a:avLst/>
+          </a:prstGeom>
+        </p:spPr>
+        <p:style>
+          <a:lnRef idx="2">
+            <a:schemeClr val="dk1"/>
+          </a:lnRef>
+          <a:fillRef idx="0">
+            <a:schemeClr val="dk1"/>
+          </a:fillRef>
+          <a:effectRef idx="1">
+            <a:schemeClr val="dk1"/>
+          </a:effectRef>
+          <a:fontRef idx="minor">
+            <a:schemeClr val="tx1"/>
+          </a:fontRef>
+        </p:style>
+      </p:cxnSp>
+      <p:sp>
+        <p:nvSpPr>
+          <p:cNvPr id="39" name="テキスト ボックス 38">
+            <a:extLst>
+              <a:ext uri="{FF2B5EF4-FFF2-40B4-BE49-F238E27FC236}">
+                <a16:creationId xmlns:a16="http://schemas.microsoft.com/office/drawing/2014/main" id="{C6FB6041-6897-2BEF-7713-D9338F2A414E}"/>
+              </a:ext>
+            </a:extLst>
+          </p:cNvPr>
+          <p:cNvSpPr txBox="1"/>
+          <p:nvPr/>
+        </p:nvSpPr>
+        <p:spPr>
+          <a:xfrm>
+            <a:off x="1739423" y="831898"/>
+            <a:ext cx="728769" cy="307777"/>
+          </a:xfrm>
+          <a:prstGeom prst="rect">
+            <a:avLst/>
+          </a:prstGeom>
+          <a:noFill/>
+        </p:spPr>
+        <p:txBody>
+          <a:bodyPr wrap="square" rtlCol="0">
+            <a:spAutoFit/>
+          </a:bodyPr>
+          <a:lstStyle/>
+          <a:p>
+            <a:r>
+              <a:rPr kumimoji="1" lang="ja-JP" altLang="en-US" sz="1400" dirty="0"/>
+              <a:t>温度計</a:t>
+            </a:r>
+          </a:p>
+        </p:txBody>
+      </p:sp>
+      <p:sp>
+        <p:nvSpPr>
+          <p:cNvPr id="68" name="テキスト ボックス 67">
+            <a:extLst>
+              <a:ext uri="{FF2B5EF4-FFF2-40B4-BE49-F238E27FC236}">
+                <a16:creationId xmlns:a16="http://schemas.microsoft.com/office/drawing/2014/main" id="{0947DA95-8A62-23F9-A19C-036FAB6CD0A2}"/>
+              </a:ext>
+            </a:extLst>
+          </p:cNvPr>
+          <p:cNvSpPr txBox="1"/>
+          <p:nvPr/>
+        </p:nvSpPr>
+        <p:spPr>
+          <a:xfrm>
+            <a:off x="910092" y="832993"/>
+            <a:ext cx="728769" cy="307777"/>
+          </a:xfrm>
+          <a:prstGeom prst="rect">
+            <a:avLst/>
+          </a:prstGeom>
+          <a:noFill/>
+        </p:spPr>
+        <p:txBody>
+          <a:bodyPr wrap="square" rtlCol="0">
+            <a:spAutoFit/>
+          </a:bodyPr>
+          <a:lstStyle/>
+          <a:p>
+            <a:r>
+              <a:rPr lang="ja-JP" altLang="en-US" sz="1400" dirty="0"/>
+              <a:t>気圧計</a:t>
+            </a:r>
+            <a:endParaRPr kumimoji="1" lang="ja-JP" altLang="en-US" sz="1400" dirty="0"/>
+          </a:p>
+        </p:txBody>
+      </p:sp>
+      <p:sp>
+        <p:nvSpPr>
+          <p:cNvPr id="69" name="矢印: 右 68">
+            <a:extLst>
+              <a:ext uri="{FF2B5EF4-FFF2-40B4-BE49-F238E27FC236}">
+                <a16:creationId xmlns:a16="http://schemas.microsoft.com/office/drawing/2014/main" id="{27DCD641-6E8C-A68C-7E1E-3AFD6D0BCF2E}"/>
+              </a:ext>
+            </a:extLst>
+          </p:cNvPr>
+          <p:cNvSpPr/>
+          <p:nvPr/>
+        </p:nvSpPr>
+        <p:spPr>
+          <a:xfrm>
+            <a:off x="4759419" y="3646200"/>
+            <a:ext cx="829612" cy="350344"/>
+          </a:xfrm>
+          <a:prstGeom prst="rightArrow">
+            <a:avLst/>
+          </a:prstGeom>
+          <a:noFill/>
+          <a:ln>
+            <a:solidFill>
+              <a:schemeClr val="tx1"/>
+            </a:solidFill>
+          </a:ln>
+        </p:spPr>
+        <p:style>
+          <a:lnRef idx="2">
+            <a:schemeClr val="accent1">
+              <a:shade val="15000"/>
+            </a:schemeClr>
+          </a:lnRef>
+          <a:fillRef idx="1">
+            <a:schemeClr val="accent1"/>
+          </a:fillRef>
+          <a:effectRef idx="0">
+            <a:schemeClr val="accent1"/>
+          </a:effectRef>
+          <a:fontRef idx="minor">
+            <a:schemeClr val="lt1"/>
+          </a:fontRef>
+        </p:style>
+        <p:txBody>
+          <a:bodyPr rtlCol="0" anchor="ctr"/>
+          <a:lstStyle/>
+          <a:p>
+            <a:pPr algn="ctr"/>
+            <a:endParaRPr kumimoji="1" lang="ja-JP" altLang="en-US"/>
+          </a:p>
+        </p:txBody>
+      </p:sp>
+      <p:sp>
+        <p:nvSpPr>
+          <p:cNvPr id="70" name="テキスト ボックス 69">
+            <a:extLst>
+              <a:ext uri="{FF2B5EF4-FFF2-40B4-BE49-F238E27FC236}">
+                <a16:creationId xmlns:a16="http://schemas.microsoft.com/office/drawing/2014/main" id="{4526A328-D442-8E32-897E-E0EB7553E848}"/>
+              </a:ext>
+            </a:extLst>
+          </p:cNvPr>
+          <p:cNvSpPr txBox="1"/>
+          <p:nvPr/>
+        </p:nvSpPr>
+        <p:spPr>
+          <a:xfrm>
+            <a:off x="6690014" y="3066804"/>
+            <a:ext cx="1099267" cy="307777"/>
+          </a:xfrm>
+          <a:prstGeom prst="rect">
+            <a:avLst/>
+          </a:prstGeom>
+          <a:noFill/>
+        </p:spPr>
+        <p:txBody>
+          <a:bodyPr wrap="square" rtlCol="0">
+            <a:spAutoFit/>
+          </a:bodyPr>
+          <a:lstStyle/>
+          <a:p>
+            <a:r>
+              <a:rPr kumimoji="1" lang="ja-JP" altLang="en-US" sz="1400" dirty="0"/>
+              <a:t>オリフィス</a:t>
+            </a:r>
+          </a:p>
+        </p:txBody>
+      </p:sp>
+      <mc:AlternateContent xmlns:mc="http://schemas.openxmlformats.org/markup-compatibility/2006" xmlns:a14="http://schemas.microsoft.com/office/drawing/2010/main">
+        <mc:Choice Requires="a14">
+          <p:sp>
+            <p:nvSpPr>
+              <p:cNvPr id="71" name="テキスト ボックス 70">
+                <a:extLst>
+                  <a:ext uri="{FF2B5EF4-FFF2-40B4-BE49-F238E27FC236}">
+                    <a16:creationId xmlns:a16="http://schemas.microsoft.com/office/drawing/2014/main" id="{A69B0ACE-B846-7E9D-6B05-F5CA6511EB47}"/>
+                  </a:ext>
+                </a:extLst>
+              </p:cNvPr>
+              <p:cNvSpPr txBox="1"/>
+              <p:nvPr/>
+            </p:nvSpPr>
+            <p:spPr>
+              <a:xfrm>
+                <a:off x="5174224" y="426576"/>
+                <a:ext cx="4599969" cy="2086533"/>
+              </a:xfrm>
+              <a:prstGeom prst="rect">
+                <a:avLst/>
+              </a:prstGeom>
+              <a:noFill/>
+            </p:spPr>
+            <p:txBody>
+              <a:bodyPr wrap="square" rtlCol="0">
+                <a:spAutoFit/>
+              </a:bodyPr>
+              <a:lstStyle/>
+              <a:p>
+                <a:r>
+                  <a:rPr lang="en-US" altLang="ja-JP" sz="1600" dirty="0"/>
+                  <a:t>P1​</a:t>
+                </a:r>
+                <a:r>
+                  <a:rPr lang="ja-JP" altLang="en-US" sz="1600" dirty="0"/>
+                  <a:t>：ファン入口の静圧 </a:t>
+                </a:r>
+                <a14:m>
+                  <m:oMath xmlns:m="http://schemas.openxmlformats.org/officeDocument/2006/math">
+                    <m:sSub>
+                      <m:sSubPr>
+                        <m:ctrlPr>
+                          <a:rPr lang="ja-JP" altLang="en-US" sz="1600" i="1">
+                            <a:latin typeface="Cambria Math" panose="02040503050406030204" pitchFamily="18" charset="0"/>
+                          </a:rPr>
+                        </m:ctrlPr>
+                      </m:sSubPr>
+                      <m:e>
+                        <m:r>
+                          <a:rPr lang="ja-JP" altLang="en-US" sz="1600" b="0" i="1">
+                            <a:latin typeface="Cambria Math" panose="02040503050406030204" pitchFamily="18" charset="0"/>
+                          </a:rPr>
+                          <m:t>𝑝</m:t>
+                        </m:r>
+                      </m:e>
+                      <m:sub>
+                        <m:r>
+                          <a:rPr lang="ja-JP" altLang="en-US" sz="1600" b="0" i="1">
+                            <a:latin typeface="Cambria Math" panose="02040503050406030204" pitchFamily="18" charset="0"/>
+                          </a:rPr>
+                          <m:t>𝑠</m:t>
+                        </m:r>
+                        <m:r>
+                          <a:rPr lang="en-US" altLang="ja-JP" sz="1600" b="0" i="1">
+                            <a:latin typeface="Cambria Math" panose="02040503050406030204" pitchFamily="18" charset="0"/>
+                          </a:rPr>
+                          <m:t>1</m:t>
+                        </m:r>
+                      </m:sub>
+                    </m:sSub>
+                  </m:oMath>
+                </a14:m>
+                <a:endParaRPr lang="en-US" altLang="ja-JP" sz="1600" dirty="0"/>
+              </a:p>
+              <a:p>
+                <a:r>
+                  <a:rPr lang="en-US" altLang="ja-JP" sz="1600" dirty="0"/>
+                  <a:t>P2​</a:t>
+                </a:r>
+                <a:r>
+                  <a:rPr lang="ja-JP" altLang="en-US" sz="1600" dirty="0"/>
+                  <a:t>：ファン出口の静圧 </a:t>
+                </a:r>
+                <a14:m>
+                  <m:oMath xmlns:m="http://schemas.openxmlformats.org/officeDocument/2006/math">
+                    <m:sSub>
+                      <m:sSubPr>
+                        <m:ctrlPr>
+                          <a:rPr lang="ja-JP" altLang="en-US" sz="1600" i="1">
+                            <a:latin typeface="Cambria Math" panose="02040503050406030204" pitchFamily="18" charset="0"/>
+                          </a:rPr>
+                        </m:ctrlPr>
+                      </m:sSubPr>
+                      <m:e>
+                        <m:r>
+                          <a:rPr lang="ja-JP" altLang="en-US" sz="1600" b="0" i="1">
+                            <a:latin typeface="Cambria Math" panose="02040503050406030204" pitchFamily="18" charset="0"/>
+                          </a:rPr>
+                          <m:t>𝑝</m:t>
+                        </m:r>
+                      </m:e>
+                      <m:sub>
+                        <m:r>
+                          <a:rPr lang="ja-JP" altLang="en-US" sz="1600" b="0" i="1">
+                            <a:latin typeface="Cambria Math" panose="02040503050406030204" pitchFamily="18" charset="0"/>
+                          </a:rPr>
+                          <m:t>𝑠</m:t>
+                        </m:r>
+                        <m:r>
+                          <a:rPr lang="en-US" altLang="ja-JP" sz="1600" b="0" i="1">
+                            <a:latin typeface="Cambria Math" panose="02040503050406030204" pitchFamily="18" charset="0"/>
+                          </a:rPr>
+                          <m:t>2</m:t>
+                        </m:r>
+                      </m:sub>
+                    </m:sSub>
+                  </m:oMath>
+                </a14:m>
+                <a:endParaRPr lang="en-US" altLang="ja-JP" sz="1600" dirty="0"/>
+              </a:p>
+              <a:p>
+                <a:r>
+                  <a:rPr lang="en-US" altLang="ja-JP" sz="1600" dirty="0"/>
+                  <a:t>P3​</a:t>
+                </a:r>
+                <a:r>
+                  <a:rPr lang="ja-JP" altLang="en-US" sz="1600" dirty="0"/>
+                  <a:t>：オリフィス直前の静圧</a:t>
+                </a:r>
+                <a14:m>
+                  <m:oMath xmlns:m="http://schemas.openxmlformats.org/officeDocument/2006/math">
+                    <m:sSub>
+                      <m:sSubPr>
+                        <m:ctrlPr>
+                          <a:rPr lang="ja-JP" altLang="en-US" sz="1600" i="1">
+                            <a:latin typeface="Cambria Math" panose="02040503050406030204" pitchFamily="18" charset="0"/>
+                          </a:rPr>
+                        </m:ctrlPr>
+                      </m:sSubPr>
+                      <m:e>
+                        <m:r>
+                          <a:rPr lang="ja-JP" altLang="en-US" sz="1600" b="0" i="1">
+                            <a:latin typeface="Cambria Math" panose="02040503050406030204" pitchFamily="18" charset="0"/>
+                          </a:rPr>
+                          <m:t>𝑝</m:t>
+                        </m:r>
+                      </m:e>
+                      <m:sub>
+                        <m:r>
+                          <a:rPr lang="ja-JP" altLang="en-US" sz="1600" b="0" i="1">
+                            <a:latin typeface="Cambria Math" panose="02040503050406030204" pitchFamily="18" charset="0"/>
+                          </a:rPr>
+                          <m:t>𝑠</m:t>
+                        </m:r>
+                        <m:r>
+                          <a:rPr lang="en-US" altLang="ja-JP" sz="1600" b="0" i="1" smtClean="0">
+                            <a:latin typeface="Cambria Math" panose="02040503050406030204" pitchFamily="18" charset="0"/>
+                          </a:rPr>
+                          <m:t>3</m:t>
+                        </m:r>
+                      </m:sub>
+                    </m:sSub>
+                  </m:oMath>
+                </a14:m>
+                <a:endParaRPr lang="en-US" altLang="ja-JP" sz="1600" dirty="0"/>
+              </a:p>
+              <a:p>
+                <a:r>
+                  <a:rPr lang="en-US" altLang="ja-JP" sz="1600" dirty="0"/>
+                  <a:t>P4​</a:t>
+                </a:r>
+                <a:r>
+                  <a:rPr lang="ja-JP" altLang="en-US" sz="1600" dirty="0"/>
+                  <a:t>：オリフィス直後の静圧</a:t>
+                </a:r>
+                <a14:m>
+                  <m:oMath xmlns:m="http://schemas.openxmlformats.org/officeDocument/2006/math">
+                    <m:sSub>
+                      <m:sSubPr>
+                        <m:ctrlPr>
+                          <a:rPr lang="ja-JP" altLang="en-US" sz="1600" i="1">
+                            <a:latin typeface="Cambria Math" panose="02040503050406030204" pitchFamily="18" charset="0"/>
+                          </a:rPr>
+                        </m:ctrlPr>
+                      </m:sSubPr>
+                      <m:e>
+                        <m:r>
+                          <a:rPr lang="ja-JP" altLang="en-US" sz="1600" b="0" i="1">
+                            <a:latin typeface="Cambria Math" panose="02040503050406030204" pitchFamily="18" charset="0"/>
+                          </a:rPr>
+                          <m:t>𝑝</m:t>
+                        </m:r>
+                      </m:e>
+                      <m:sub>
+                        <m:r>
+                          <a:rPr lang="ja-JP" altLang="en-US" sz="1600" b="0" i="1">
+                            <a:latin typeface="Cambria Math" panose="02040503050406030204" pitchFamily="18" charset="0"/>
+                          </a:rPr>
+                          <m:t>𝑠</m:t>
+                        </m:r>
+                        <m:r>
+                          <a:rPr lang="en-US" altLang="ja-JP" sz="1600" b="0" i="1" smtClean="0">
+                            <a:latin typeface="Cambria Math" panose="02040503050406030204" pitchFamily="18" charset="0"/>
+                          </a:rPr>
+                          <m:t>4</m:t>
+                        </m:r>
+                      </m:sub>
+                    </m:sSub>
+                  </m:oMath>
+                </a14:m>
+                <a:endParaRPr lang="en-US" altLang="ja-JP" sz="1600" dirty="0"/>
+              </a:p>
+              <a:p>
+                <a14:m>
+                  <m:oMath xmlns:m="http://schemas.openxmlformats.org/officeDocument/2006/math">
+                    <m:r>
+                      <a:rPr lang="ja-JP" altLang="en-US" sz="1600" b="0" i="1">
+                        <a:latin typeface="Cambria Math" panose="02040503050406030204" pitchFamily="18" charset="0"/>
+                      </a:rPr>
+                      <m:t>𝑁</m:t>
+                    </m:r>
+                  </m:oMath>
+                </a14:m>
+                <a:r>
+                  <a:rPr lang="ja-JP" altLang="en-US" sz="1600" dirty="0"/>
+                  <a:t>：ファン軸の回転数計</a:t>
+                </a:r>
+                <a:endParaRPr lang="en-US" altLang="ja-JP" sz="1600" dirty="0"/>
+              </a:p>
+              <a:p>
+                <a:r>
+                  <a:rPr lang="en-US" altLang="ja-JP" sz="1600" dirty="0"/>
+                  <a:t>T</a:t>
+                </a:r>
+                <a:r>
+                  <a:rPr lang="ja-JP" altLang="en-US" sz="1600" dirty="0"/>
+                  <a:t>：モータとファンの間に挿入したトルク計</a:t>
+                </a:r>
+                <a:br>
+                  <a:rPr lang="en-US" altLang="ja-JP" sz="1600" dirty="0"/>
+                </a:br>
+                <a14:m>
+                  <m:oMath xmlns:m="http://schemas.openxmlformats.org/officeDocument/2006/math">
+                    <m:sSub>
+                      <m:sSubPr>
+                        <m:ctrlPr>
+                          <a:rPr lang="en-US" altLang="ja-JP" sz="1600" i="1">
+                            <a:latin typeface="Cambria Math" panose="02040503050406030204" pitchFamily="18" charset="0"/>
+                          </a:rPr>
+                        </m:ctrlPr>
+                      </m:sSubPr>
+                      <m:e>
+                        <m:r>
+                          <a:rPr lang="en-US" altLang="ja-JP" sz="1600" i="1">
+                            <a:latin typeface="Cambria Math" panose="02040503050406030204" pitchFamily="18" charset="0"/>
+                          </a:rPr>
+                          <m:t>𝑝</m:t>
+                        </m:r>
+                      </m:e>
+                      <m:sub>
+                        <m:r>
+                          <a:rPr lang="en-US" altLang="ja-JP" sz="1600" i="1">
+                            <a:latin typeface="Cambria Math" panose="02040503050406030204" pitchFamily="18" charset="0"/>
+                          </a:rPr>
+                          <m:t>𝑎𝑡𝑚</m:t>
+                        </m:r>
+                      </m:sub>
+                    </m:sSub>
+                  </m:oMath>
+                </a14:m>
+                <a:r>
+                  <a:rPr lang="ja-JP" altLang="ar-AE" sz="1600" dirty="0"/>
+                  <a:t>：</a:t>
+                </a:r>
+                <a:r>
+                  <a:rPr lang="ja-JP" altLang="en-US" sz="1600" dirty="0"/>
+                  <a:t>室内大気圧（気圧計）</a:t>
+                </a:r>
+                <a:endParaRPr lang="en-US" altLang="ja-JP" sz="1600" dirty="0"/>
+              </a:p>
+              <a:p>
+                <a14:m>
+                  <m:oMath xmlns:m="http://schemas.openxmlformats.org/officeDocument/2006/math">
+                    <m:r>
+                      <a:rPr lang="en-US" altLang="ja-JP" sz="1600" i="1" smtClean="0">
+                        <a:latin typeface="Cambria Math" panose="02040503050406030204" pitchFamily="18" charset="0"/>
+                      </a:rPr>
+                      <m:t>𝜃</m:t>
+                    </m:r>
+                  </m:oMath>
+                </a14:m>
+                <a:r>
+                  <a:rPr lang="ja-JP" altLang="ar-AE" sz="1600" dirty="0"/>
+                  <a:t>：</a:t>
+                </a:r>
+                <a:r>
+                  <a:rPr lang="ja-JP" altLang="en-US" sz="1600" dirty="0"/>
+                  <a:t>室温（温度計）</a:t>
+                </a:r>
+                <a:endParaRPr kumimoji="1" lang="ja-JP" altLang="en-US" sz="1600" dirty="0"/>
+              </a:p>
+            </p:txBody>
+          </p:sp>
+        </mc:Choice>
+        <mc:Fallback xmlns="">
+          <p:sp>
+            <p:nvSpPr>
+              <p:cNvPr id="71" name="テキスト ボックス 70">
+                <a:extLst>
+                  <a:ext uri="{FF2B5EF4-FFF2-40B4-BE49-F238E27FC236}">
+                    <a16:creationId xmlns:a16="http://schemas.microsoft.com/office/drawing/2014/main" id="{B9DAA388-4DC4-0FE1-00D5-A321829CA2D7}"/>
+                  </a:ext>
+                </a:extLst>
+              </p:cNvPr>
+              <p:cNvSpPr txBox="1">
+                <a:spLocks noRot="1" noChangeAspect="1" noMove="1" noResize="1" noEditPoints="1" noAdjustHandles="1" noChangeArrowheads="1" noChangeShapeType="1" noTextEdit="1"/>
+              </p:cNvSpPr>
+              <p:nvPr/>
+            </p:nvSpPr>
+            <p:spPr>
+              <a:xfrm>
+                <a:off x="5174224" y="426576"/>
+                <a:ext cx="4599969" cy="2086533"/>
+              </a:xfrm>
+              <a:prstGeom prst="rect">
+                <a:avLst/>
+              </a:prstGeom>
+              <a:blipFill>
+                <a:blip r:embed="rId10"/>
+                <a:stretch>
+                  <a:fillRect l="-796" t="-1462" b="-1754"/>
+                </a:stretch>
+              </a:blipFill>
+            </p:spPr>
+            <p:txBody>
+              <a:bodyPr/>
+              <a:lstStyle/>
+              <a:p>
+                <a:r>
+                  <a:rPr lang="ja-JP" altLang="en-US">
+                    <a:noFill/>
+                  </a:rPr>
+                  <a:t> </a:t>
+                </a:r>
+              </a:p>
+            </p:txBody>
+          </p:sp>
+        </mc:Fallback>
+      </mc:AlternateContent>
+      <p:sp>
+        <p:nvSpPr>
+          <p:cNvPr id="77" name="テキスト ボックス 76">
+            <a:extLst>
+              <a:ext uri="{FF2B5EF4-FFF2-40B4-BE49-F238E27FC236}">
+                <a16:creationId xmlns:a16="http://schemas.microsoft.com/office/drawing/2014/main" id="{EC36A105-727F-AAD1-9C1D-0612CE6E7FAA}"/>
+              </a:ext>
+            </a:extLst>
+          </p:cNvPr>
+          <p:cNvSpPr txBox="1"/>
+          <p:nvPr/>
+        </p:nvSpPr>
+        <p:spPr>
+          <a:xfrm>
+            <a:off x="9871239" y="4274651"/>
+            <a:ext cx="1099267" cy="307777"/>
+          </a:xfrm>
+          <a:prstGeom prst="rect">
+            <a:avLst/>
+          </a:prstGeom>
+          <a:noFill/>
+        </p:spPr>
+        <p:txBody>
+          <a:bodyPr wrap="square" rtlCol="0">
+            <a:spAutoFit/>
+          </a:bodyPr>
+          <a:lstStyle/>
+          <a:p>
+            <a:pPr algn="ctr"/>
+            <a:r>
+              <a:rPr lang="ja-JP" altLang="en-US" sz="1400" dirty="0"/>
+              <a:t>バルブ</a:t>
+            </a:r>
+            <a:endParaRPr kumimoji="1" lang="ja-JP" altLang="en-US" sz="1400" dirty="0"/>
+          </a:p>
+        </p:txBody>
+      </p:sp>
+      <p:sp>
+        <p:nvSpPr>
+          <p:cNvPr id="78" name="テキスト ボックス 77">
+            <a:extLst>
+              <a:ext uri="{FF2B5EF4-FFF2-40B4-BE49-F238E27FC236}">
+                <a16:creationId xmlns:a16="http://schemas.microsoft.com/office/drawing/2014/main" id="{53AE9D92-36E5-9919-C4F4-793E155EF8AA}"/>
+              </a:ext>
+            </a:extLst>
+          </p:cNvPr>
+          <p:cNvSpPr txBox="1"/>
+          <p:nvPr/>
+        </p:nvSpPr>
+        <p:spPr>
+          <a:xfrm>
+            <a:off x="2772320" y="3039667"/>
+            <a:ext cx="1099267" cy="307777"/>
+          </a:xfrm>
+          <a:prstGeom prst="rect">
+            <a:avLst/>
+          </a:prstGeom>
+          <a:noFill/>
+        </p:spPr>
+        <p:txBody>
+          <a:bodyPr wrap="square" rtlCol="0">
+            <a:spAutoFit/>
+          </a:bodyPr>
+          <a:lstStyle/>
+          <a:p>
+            <a:pPr algn="ctr"/>
+            <a:r>
+              <a:rPr lang="ja-JP" altLang="en-US" sz="1400" dirty="0"/>
+              <a:t>モーター</a:t>
+            </a:r>
+            <a:endParaRPr kumimoji="1" lang="ja-JP" altLang="en-US" sz="1400" dirty="0"/>
+          </a:p>
+        </p:txBody>
+      </p:sp>
+    </p:spTree>
+    <p:extLst>
+      <p:ext uri="{BB962C8B-B14F-4D97-AF65-F5344CB8AC3E}">
+        <p14:creationId xmlns:p14="http://schemas.microsoft.com/office/powerpoint/2010/main" val="2935234736"/>
       </p:ext>
     </p:extLst>
   </p:cSld>
